--- a/presentacionProyecto.pptx
+++ b/presentacionProyecto.pptx
@@ -5,19 +5,36 @@
     <p:sldMasterId id="2147483668" r:id="rId1"/>
   </p:sldMasterIdLst>
   <p:notesMasterIdLst>
-    <p:notesMasterId r:id="rId9"/>
+    <p:notesMasterId r:id="rId26"/>
   </p:notesMasterIdLst>
   <p:handoutMasterIdLst>
-    <p:handoutMasterId r:id="rId10"/>
+    <p:handoutMasterId r:id="rId27"/>
   </p:handoutMasterIdLst>
   <p:sldIdLst>
     <p:sldId id="323" r:id="rId2"/>
     <p:sldId id="330" r:id="rId3"/>
     <p:sldId id="332" r:id="rId4"/>
     <p:sldId id="325" r:id="rId5"/>
-    <p:sldId id="327" r:id="rId6"/>
-    <p:sldId id="328" r:id="rId7"/>
-    <p:sldId id="329" r:id="rId8"/>
+    <p:sldId id="333" r:id="rId6"/>
+    <p:sldId id="334" r:id="rId7"/>
+    <p:sldId id="335" r:id="rId8"/>
+    <p:sldId id="327" r:id="rId9"/>
+    <p:sldId id="346" r:id="rId10"/>
+    <p:sldId id="336" r:id="rId11"/>
+    <p:sldId id="337" r:id="rId12"/>
+    <p:sldId id="338" r:id="rId13"/>
+    <p:sldId id="339" r:id="rId14"/>
+    <p:sldId id="340" r:id="rId15"/>
+    <p:sldId id="341" r:id="rId16"/>
+    <p:sldId id="347" r:id="rId17"/>
+    <p:sldId id="342" r:id="rId18"/>
+    <p:sldId id="343" r:id="rId19"/>
+    <p:sldId id="344" r:id="rId20"/>
+    <p:sldId id="345" r:id="rId21"/>
+    <p:sldId id="348" r:id="rId22"/>
+    <p:sldId id="349" r:id="rId23"/>
+    <p:sldId id="328" r:id="rId24"/>
+    <p:sldId id="329" r:id="rId25"/>
   </p:sldIdLst>
   <p:sldSz cx="9144000" cy="6858000" type="screen4x3"/>
   <p:notesSz cx="6858000" cy="9144000"/>
@@ -147,6 +164,15 @@
     </p:ext>
   </p:extLst>
 </p:presentation>
+</file>
+
+<file path=ppt/revisionInfo.xml><?xml version="1.0" encoding="utf-8"?>
+<p1510:revInfo xmlns:a="http://schemas.openxmlformats.org/drawingml/2006/main" xmlns:r="http://schemas.openxmlformats.org/officeDocument/2006/relationships" xmlns:p1510="http://schemas.microsoft.com/office/powerpoint/2015/10/main">
+  <p1510:revLst>
+    <p1510:client id="{652D4EF0-33E7-B875-65F5-E5912F89C415}" v="225" dt="2020-10-07T04:27:42.109"/>
+    <p1510:client id="{B006522F-A77B-2801-E899-112D47000ADD}" v="39" dt="2020-10-07T03:33:24.995"/>
+  </p1510:revLst>
+</p1510:revInfo>
 </file>
 
 <file path=ppt/diagrams/colors1.xml><?xml version="1.0" encoding="utf-8"?>
@@ -3665,7 +3691,7 @@
           <a:p>
             <a:fld id="{4E4206E0-8F38-491F-8DD8-9DEF31DAB11E}" type="datetimeFigureOut">
               <a:rPr lang="es-CO" smtClean="0"/>
-              <a:t>26/08/2020</a:t>
+              <a:t>6/10/2020</a:t>
             </a:fld>
             <a:endParaRPr lang="es-CO"/>
           </a:p>
@@ -3731,7 +3757,7 @@
           <a:p>
             <a:fld id="{D3A6C985-72EC-4B6C-AB9B-9E37B8ADE95E}" type="slidenum">
               <a:rPr lang="es-CO" smtClean="0"/>
-              <a:t>‹Nº›</a:t>
+              <a:t>‹#›</a:t>
             </a:fld>
             <a:endParaRPr lang="es-CO"/>
           </a:p>
@@ -3830,7 +3856,7 @@
           <a:p>
             <a:fld id="{AE7E15B5-955E-4B5B-9E1F-B3C4B4C6AE0C}" type="datetimeFigureOut">
               <a:rPr lang="es-CO" smtClean="0"/>
-              <a:t>26/08/2020</a:t>
+              <a:t>6/10/2020</a:t>
             </a:fld>
             <a:endParaRPr lang="es-CO"/>
           </a:p>
@@ -3989,7 +4015,7 @@
           <a:p>
             <a:fld id="{06DF1DBB-D2B5-4901-B422-57DA65914203}" type="slidenum">
               <a:rPr lang="es-CO" smtClean="0"/>
-              <a:t>‹Nº›</a:t>
+              <a:t>‹#›</a:t>
             </a:fld>
             <a:endParaRPr lang="es-CO"/>
           </a:p>
@@ -4260,7 +4286,7 @@
           <a:p>
             <a:fld id="{06DF1DBB-D2B5-4901-B422-57DA65914203}" type="slidenum">
               <a:rPr lang="es-CO" smtClean="0"/>
-              <a:t>5</a:t>
+              <a:t>8</a:t>
             </a:fld>
             <a:endParaRPr lang="es-CO"/>
           </a:p>
@@ -4344,7 +4370,7 @@
           <a:p>
             <a:fld id="{06DF1DBB-D2B5-4901-B422-57DA65914203}" type="slidenum">
               <a:rPr lang="es-CO" smtClean="0"/>
-              <a:t>6</a:t>
+              <a:t>15</a:t>
             </a:fld>
             <a:endParaRPr lang="es-CO"/>
           </a:p>
@@ -4637,7 +4663,7 @@
           <a:p>
             <a:fld id="{483D03DC-5ED8-7A42-A55E-C10C004AFC42}" type="datetimeFigureOut">
               <a:rPr lang="es-ES" smtClean="0"/>
-              <a:t>26/08/2020</a:t>
+              <a:t>06/10/2020</a:t>
             </a:fld>
             <a:endParaRPr lang="es-ES"/>
           </a:p>
@@ -4679,7 +4705,7 @@
           <a:p>
             <a:fld id="{3266518D-8445-044A-A141-7D0E69A71FDC}" type="slidenum">
               <a:rPr lang="es-ES" smtClean="0"/>
-              <a:t>‹Nº›</a:t>
+              <a:t>‹#›</a:t>
             </a:fld>
             <a:endParaRPr lang="es-ES"/>
           </a:p>
@@ -4892,7 +4918,7 @@
           <a:p>
             <a:fld id="{483D03DC-5ED8-7A42-A55E-C10C004AFC42}" type="datetimeFigureOut">
               <a:rPr lang="es-ES" smtClean="0"/>
-              <a:t>26/08/2020</a:t>
+              <a:t>06/10/2020</a:t>
             </a:fld>
             <a:endParaRPr lang="es-ES"/>
           </a:p>
@@ -4934,7 +4960,7 @@
           <a:p>
             <a:fld id="{3266518D-8445-044A-A141-7D0E69A71FDC}" type="slidenum">
               <a:rPr lang="es-ES" smtClean="0"/>
-              <a:t>‹Nº›</a:t>
+              <a:t>‹#›</a:t>
             </a:fld>
             <a:endParaRPr lang="es-ES"/>
           </a:p>
@@ -5060,7 +5086,7 @@
           <a:p>
             <a:fld id="{483D03DC-5ED8-7A42-A55E-C10C004AFC42}" type="datetimeFigureOut">
               <a:rPr lang="es-ES" smtClean="0"/>
-              <a:t>26/08/2020</a:t>
+              <a:t>06/10/2020</a:t>
             </a:fld>
             <a:endParaRPr lang="es-ES"/>
           </a:p>
@@ -5102,7 +5128,7 @@
           <a:p>
             <a:fld id="{3266518D-8445-044A-A141-7D0E69A71FDC}" type="slidenum">
               <a:rPr lang="es-ES" smtClean="0"/>
-              <a:t>‹Nº›</a:t>
+              <a:t>‹#›</a:t>
             </a:fld>
             <a:endParaRPr lang="es-ES"/>
           </a:p>
@@ -5238,7 +5264,7 @@
           <a:p>
             <a:fld id="{483D03DC-5ED8-7A42-A55E-C10C004AFC42}" type="datetimeFigureOut">
               <a:rPr lang="es-ES" smtClean="0"/>
-              <a:t>26/08/2020</a:t>
+              <a:t>06/10/2020</a:t>
             </a:fld>
             <a:endParaRPr lang="es-ES"/>
           </a:p>
@@ -5280,7 +5306,7 @@
           <a:p>
             <a:fld id="{3266518D-8445-044A-A141-7D0E69A71FDC}" type="slidenum">
               <a:rPr lang="es-ES" smtClean="0"/>
-              <a:t>‹Nº›</a:t>
+              <a:t>‹#›</a:t>
             </a:fld>
             <a:endParaRPr lang="es-ES"/>
           </a:p>
@@ -5372,7 +5398,7 @@
           <a:p>
             <a:fld id="{483D03DC-5ED8-7A42-A55E-C10C004AFC42}" type="datetimeFigureOut">
               <a:rPr lang="es-ES" smtClean="0"/>
-              <a:t>26/08/2020</a:t>
+              <a:t>06/10/2020</a:t>
             </a:fld>
             <a:endParaRPr lang="es-ES"/>
           </a:p>
@@ -5414,7 +5440,7 @@
           <a:p>
             <a:fld id="{3266518D-8445-044A-A141-7D0E69A71FDC}" type="slidenum">
               <a:rPr lang="es-ES" smtClean="0"/>
-              <a:t>‹Nº›</a:t>
+              <a:t>‹#›</a:t>
             </a:fld>
             <a:endParaRPr lang="es-ES"/>
           </a:p>
@@ -5657,7 +5683,7 @@
           <a:p>
             <a:fld id="{483D03DC-5ED8-7A42-A55E-C10C004AFC42}" type="datetimeFigureOut">
               <a:rPr lang="es-ES" smtClean="0"/>
-              <a:t>26/08/2020</a:t>
+              <a:t>06/10/2020</a:t>
             </a:fld>
             <a:endParaRPr lang="es-ES"/>
           </a:p>
@@ -5699,7 +5725,7 @@
           <a:p>
             <a:fld id="{3266518D-8445-044A-A141-7D0E69A71FDC}" type="slidenum">
               <a:rPr lang="es-ES" smtClean="0"/>
-              <a:t>‹Nº›</a:t>
+              <a:t>‹#›</a:t>
             </a:fld>
             <a:endParaRPr lang="es-ES"/>
           </a:p>
@@ -5887,7 +5913,7 @@
           <a:p>
             <a:fld id="{483D03DC-5ED8-7A42-A55E-C10C004AFC42}" type="datetimeFigureOut">
               <a:rPr lang="es-ES" smtClean="0"/>
-              <a:t>26/08/2020</a:t>
+              <a:t>06/10/2020</a:t>
             </a:fld>
             <a:endParaRPr lang="es-ES"/>
           </a:p>
@@ -5929,7 +5955,7 @@
           <a:p>
             <a:fld id="{3266518D-8445-044A-A141-7D0E69A71FDC}" type="slidenum">
               <a:rPr lang="es-ES" smtClean="0"/>
-              <a:t>‹Nº›</a:t>
+              <a:t>‹#›</a:t>
             </a:fld>
             <a:endParaRPr lang="es-ES"/>
           </a:p>
@@ -6565,7 +6591,7 @@
           <a:p>
             <a:fld id="{483D03DC-5ED8-7A42-A55E-C10C004AFC42}" type="datetimeFigureOut">
               <a:rPr lang="es-ES" smtClean="0"/>
-              <a:t>26/08/2020</a:t>
+              <a:t>06/10/2020</a:t>
             </a:fld>
             <a:endParaRPr lang="es-ES" dirty="0"/>
           </a:p>
@@ -6607,7 +6633,7 @@
           <a:p>
             <a:fld id="{3266518D-8445-044A-A141-7D0E69A71FDC}" type="slidenum">
               <a:rPr lang="es-ES" smtClean="0"/>
-              <a:t>‹Nº›</a:t>
+              <a:t>‹#›</a:t>
             </a:fld>
             <a:endParaRPr lang="es-ES"/>
           </a:p>
@@ -6660,7 +6686,7 @@
           <a:p>
             <a:fld id="{483D03DC-5ED8-7A42-A55E-C10C004AFC42}" type="datetimeFigureOut">
               <a:rPr lang="es-ES" smtClean="0"/>
-              <a:t>26/08/2020</a:t>
+              <a:t>06/10/2020</a:t>
             </a:fld>
             <a:endParaRPr lang="es-ES"/>
           </a:p>
@@ -6702,7 +6728,7 @@
           <a:p>
             <a:fld id="{3266518D-8445-044A-A141-7D0E69A71FDC}" type="slidenum">
               <a:rPr lang="es-ES" smtClean="0"/>
-              <a:t>‹Nº›</a:t>
+              <a:t>‹#›</a:t>
             </a:fld>
             <a:endParaRPr lang="es-ES"/>
           </a:p>
@@ -7205,7 +7231,7 @@
           <a:p>
             <a:fld id="{483D03DC-5ED8-7A42-A55E-C10C004AFC42}" type="datetimeFigureOut">
               <a:rPr lang="es-ES" smtClean="0"/>
-              <a:t>26/08/2020</a:t>
+              <a:t>06/10/2020</a:t>
             </a:fld>
             <a:endParaRPr lang="es-ES"/>
           </a:p>
@@ -7247,7 +7273,7 @@
           <a:p>
             <a:fld id="{3266518D-8445-044A-A141-7D0E69A71FDC}" type="slidenum">
               <a:rPr lang="es-ES" smtClean="0"/>
-              <a:t>‹Nº›</a:t>
+              <a:t>‹#›</a:t>
             </a:fld>
             <a:endParaRPr lang="es-ES"/>
           </a:p>
@@ -8317,7 +8343,7 @@
           <a:p>
             <a:fld id="{483D03DC-5ED8-7A42-A55E-C10C004AFC42}" type="datetimeFigureOut">
               <a:rPr lang="es-ES" smtClean="0"/>
-              <a:t>26/08/2020</a:t>
+              <a:t>06/10/2020</a:t>
             </a:fld>
             <a:endParaRPr lang="es-ES" dirty="0"/>
           </a:p>
@@ -8359,7 +8385,7 @@
           <a:p>
             <a:fld id="{3266518D-8445-044A-A141-7D0E69A71FDC}" type="slidenum">
               <a:rPr lang="es-ES" smtClean="0"/>
-              <a:t>‹Nº›</a:t>
+              <a:t>‹#›</a:t>
             </a:fld>
             <a:endParaRPr lang="es-ES"/>
           </a:p>
@@ -8476,7 +8502,7 @@
           <a:p>
             <a:fld id="{483D03DC-5ED8-7A42-A55E-C10C004AFC42}" type="datetimeFigureOut">
               <a:rPr lang="es-ES" smtClean="0"/>
-              <a:t>26/08/2020</a:t>
+              <a:t>06/10/2020</a:t>
             </a:fld>
             <a:endParaRPr lang="es-ES"/>
           </a:p>
@@ -8518,7 +8544,7 @@
           <a:p>
             <a:fld id="{3266518D-8445-044A-A141-7D0E69A71FDC}" type="slidenum">
               <a:rPr lang="es-ES" smtClean="0"/>
-              <a:t>‹Nº›</a:t>
+              <a:t>‹#›</a:t>
             </a:fld>
             <a:endParaRPr lang="es-ES"/>
           </a:p>
@@ -9006,7 +9032,7 @@
           <a:p>
             <a:fld id="{483D03DC-5ED8-7A42-A55E-C10C004AFC42}" type="datetimeFigureOut">
               <a:rPr lang="es-ES" smtClean="0"/>
-              <a:t>26/08/2020</a:t>
+              <a:t>06/10/2020</a:t>
             </a:fld>
             <a:endParaRPr lang="es-ES"/>
           </a:p>
@@ -9048,7 +9074,7 @@
           <a:p>
             <a:fld id="{3266518D-8445-044A-A141-7D0E69A71FDC}" type="slidenum">
               <a:rPr lang="es-ES" smtClean="0"/>
-              <a:t>‹Nº›</a:t>
+              <a:t>‹#›</a:t>
             </a:fld>
             <a:endParaRPr lang="es-ES"/>
           </a:p>
@@ -9923,7 +9949,7 @@
           <a:p>
             <a:fld id="{483D03DC-5ED8-7A42-A55E-C10C004AFC42}" type="datetimeFigureOut">
               <a:rPr lang="es-ES" smtClean="0"/>
-              <a:t>26/08/2020</a:t>
+              <a:t>06/10/2020</a:t>
             </a:fld>
             <a:endParaRPr lang="es-ES" dirty="0"/>
           </a:p>
@@ -9965,7 +9991,7 @@
           <a:p>
             <a:fld id="{3266518D-8445-044A-A141-7D0E69A71FDC}" type="slidenum">
               <a:rPr lang="es-ES" smtClean="0"/>
-              <a:t>‹Nº›</a:t>
+              <a:t>‹#›</a:t>
             </a:fld>
             <a:endParaRPr lang="es-ES"/>
           </a:p>
@@ -10082,7 +10108,7 @@
           <a:p>
             <a:fld id="{483D03DC-5ED8-7A42-A55E-C10C004AFC42}" type="datetimeFigureOut">
               <a:rPr lang="es-ES" smtClean="0"/>
-              <a:t>26/08/2020</a:t>
+              <a:t>06/10/2020</a:t>
             </a:fld>
             <a:endParaRPr lang="es-ES"/>
           </a:p>
@@ -10124,7 +10150,7 @@
           <a:p>
             <a:fld id="{3266518D-8445-044A-A141-7D0E69A71FDC}" type="slidenum">
               <a:rPr lang="es-ES" smtClean="0"/>
-              <a:t>‹Nº›</a:t>
+              <a:t>‹#›</a:t>
             </a:fld>
             <a:endParaRPr lang="es-ES"/>
           </a:p>
@@ -10612,7 +10638,7 @@
           <a:p>
             <a:fld id="{483D03DC-5ED8-7A42-A55E-C10C004AFC42}" type="datetimeFigureOut">
               <a:rPr lang="es-ES" smtClean="0"/>
-              <a:t>26/08/2020</a:t>
+              <a:t>06/10/2020</a:t>
             </a:fld>
             <a:endParaRPr lang="es-ES"/>
           </a:p>
@@ -10654,7 +10680,7 @@
           <a:p>
             <a:fld id="{3266518D-8445-044A-A141-7D0E69A71FDC}" type="slidenum">
               <a:rPr lang="es-ES" smtClean="0"/>
-              <a:t>‹Nº›</a:t>
+              <a:t>‹#›</a:t>
             </a:fld>
             <a:endParaRPr lang="es-ES"/>
           </a:p>
@@ -11684,7 +11710,7 @@
           <a:p>
             <a:fld id="{483D03DC-5ED8-7A42-A55E-C10C004AFC42}" type="datetimeFigureOut">
               <a:rPr lang="es-ES" smtClean="0"/>
-              <a:t>26/08/2020</a:t>
+              <a:t>06/10/2020</a:t>
             </a:fld>
             <a:endParaRPr lang="es-ES"/>
           </a:p>
@@ -11726,7 +11752,7 @@
           <a:p>
             <a:fld id="{3266518D-8445-044A-A141-7D0E69A71FDC}" type="slidenum">
               <a:rPr lang="es-ES" smtClean="0"/>
-              <a:t>‹Nº›</a:t>
+              <a:t>‹#›</a:t>
             </a:fld>
             <a:endParaRPr lang="es-ES"/>
           </a:p>
@@ -11801,7 +11827,7 @@
           <a:p>
             <a:fld id="{483D03DC-5ED8-7A42-A55E-C10C004AFC42}" type="datetimeFigureOut">
               <a:rPr lang="es-ES" smtClean="0"/>
-              <a:t>26/08/2020</a:t>
+              <a:t>06/10/2020</a:t>
             </a:fld>
             <a:endParaRPr lang="es-ES"/>
           </a:p>
@@ -11843,7 +11869,7 @@
           <a:p>
             <a:fld id="{3266518D-8445-044A-A141-7D0E69A71FDC}" type="slidenum">
               <a:rPr lang="es-ES" smtClean="0"/>
-              <a:t>‹Nº›</a:t>
+              <a:t>‹#›</a:t>
             </a:fld>
             <a:endParaRPr lang="es-ES"/>
           </a:p>
@@ -11896,7 +11922,7 @@
           <a:p>
             <a:fld id="{483D03DC-5ED8-7A42-A55E-C10C004AFC42}" type="datetimeFigureOut">
               <a:rPr lang="es-ES" smtClean="0"/>
-              <a:t>26/08/2020</a:t>
+              <a:t>06/10/2020</a:t>
             </a:fld>
             <a:endParaRPr lang="es-ES"/>
           </a:p>
@@ -11938,7 +11964,7 @@
           <a:p>
             <a:fld id="{3266518D-8445-044A-A141-7D0E69A71FDC}" type="slidenum">
               <a:rPr lang="es-ES" smtClean="0"/>
-              <a:t>‹Nº›</a:t>
+              <a:t>‹#›</a:t>
             </a:fld>
             <a:endParaRPr lang="es-ES"/>
           </a:p>
@@ -12109,7 +12135,7 @@
           <a:p>
             <a:fld id="{483D03DC-5ED8-7A42-A55E-C10C004AFC42}" type="datetimeFigureOut">
               <a:rPr lang="es-ES" smtClean="0"/>
-              <a:t>26/08/2020</a:t>
+              <a:t>06/10/2020</a:t>
             </a:fld>
             <a:endParaRPr lang="es-ES"/>
           </a:p>
@@ -12187,7 +12213,7 @@
           <a:p>
             <a:fld id="{3266518D-8445-044A-A141-7D0E69A71FDC}" type="slidenum">
               <a:rPr lang="es-ES" smtClean="0"/>
-              <a:t>‹Nº›</a:t>
+              <a:t>‹#›</a:t>
             </a:fld>
             <a:endParaRPr lang="es-ES"/>
           </a:p>
@@ -12653,6 +12679,616 @@
 </p:sld>
 </file>
 
+<file path=ppt/slides/slide10.xml><?xml version="1.0" encoding="utf-8"?>
+<p:sld xmlns:a="http://schemas.openxmlformats.org/drawingml/2006/main" xmlns:r="http://schemas.openxmlformats.org/officeDocument/2006/relationships" xmlns:p="http://schemas.openxmlformats.org/presentationml/2006/main">
+  <p:cSld>
+    <p:spTree>
+      <p:nvGrpSpPr>
+        <p:cNvPr id="1" name=""/>
+        <p:cNvGrpSpPr/>
+        <p:nvPr/>
+      </p:nvGrpSpPr>
+      <p:grpSpPr>
+        <a:xfrm>
+          <a:off x="0" y="0"/>
+          <a:ext cx="0" cy="0"/>
+          <a:chOff x="0" y="0"/>
+          <a:chExt cx="0" cy="0"/>
+        </a:xfrm>
+      </p:grpSpPr>
+      <p:pic>
+        <p:nvPicPr>
+          <p:cNvPr id="2" name="Picture 2" descr="Chart, pie chart, bubble chart&#10;&#10;Description automatically generated">
+            <a:extLst>
+              <a:ext uri="{FF2B5EF4-FFF2-40B4-BE49-F238E27FC236}">
+                <a16:creationId xmlns:a16="http://schemas.microsoft.com/office/drawing/2014/main" id="{B9E84184-BEFA-40FB-800E-30C924360E11}"/>
+              </a:ext>
+            </a:extLst>
+          </p:cNvPr>
+          <p:cNvPicPr>
+            <a:picLocks noChangeAspect="1"/>
+          </p:cNvPicPr>
+          <p:nvPr/>
+        </p:nvPicPr>
+        <p:blipFill>
+          <a:blip r:embed="rId2"/>
+          <a:stretch>
+            <a:fillRect/>
+          </a:stretch>
+        </p:blipFill>
+        <p:spPr>
+          <a:xfrm>
+            <a:off x="612476" y="1745609"/>
+            <a:ext cx="7919049" cy="3366781"/>
+          </a:xfrm>
+          <a:prstGeom prst="rect">
+            <a:avLst/>
+          </a:prstGeom>
+        </p:spPr>
+      </p:pic>
+    </p:spTree>
+    <p:extLst>
+      <p:ext uri="{BB962C8B-B14F-4D97-AF65-F5344CB8AC3E}">
+        <p14:creationId xmlns:p14="http://schemas.microsoft.com/office/powerpoint/2010/main" val="1707274031"/>
+      </p:ext>
+    </p:extLst>
+  </p:cSld>
+  <p:clrMapOvr>
+    <a:masterClrMapping/>
+  </p:clrMapOvr>
+</p:sld>
+</file>
+
+<file path=ppt/slides/slide11.xml><?xml version="1.0" encoding="utf-8"?>
+<p:sld xmlns:a="http://schemas.openxmlformats.org/drawingml/2006/main" xmlns:r="http://schemas.openxmlformats.org/officeDocument/2006/relationships" xmlns:p="http://schemas.openxmlformats.org/presentationml/2006/main">
+  <p:cSld>
+    <p:spTree>
+      <p:nvGrpSpPr>
+        <p:cNvPr id="1" name=""/>
+        <p:cNvGrpSpPr/>
+        <p:nvPr/>
+      </p:nvGrpSpPr>
+      <p:grpSpPr>
+        <a:xfrm>
+          <a:off x="0" y="0"/>
+          <a:ext cx="0" cy="0"/>
+          <a:chOff x="0" y="0"/>
+          <a:chExt cx="0" cy="0"/>
+        </a:xfrm>
+      </p:grpSpPr>
+      <p:pic>
+        <p:nvPicPr>
+          <p:cNvPr id="3" name="Picture 3" descr="Chart, pie chart&#10;&#10;Description automatically generated">
+            <a:extLst>
+              <a:ext uri="{FF2B5EF4-FFF2-40B4-BE49-F238E27FC236}">
+                <a16:creationId xmlns:a16="http://schemas.microsoft.com/office/drawing/2014/main" id="{CE0B2410-6548-4152-AC95-5C77771E3246}"/>
+              </a:ext>
+            </a:extLst>
+          </p:cNvPr>
+          <p:cNvPicPr>
+            <a:picLocks noChangeAspect="1"/>
+          </p:cNvPicPr>
+          <p:nvPr/>
+        </p:nvPicPr>
+        <p:blipFill>
+          <a:blip r:embed="rId2"/>
+          <a:stretch>
+            <a:fillRect/>
+          </a:stretch>
+        </p:blipFill>
+        <p:spPr>
+          <a:xfrm>
+            <a:off x="914400" y="1875006"/>
+            <a:ext cx="7315200" cy="3093611"/>
+          </a:xfrm>
+          <a:prstGeom prst="rect">
+            <a:avLst/>
+          </a:prstGeom>
+        </p:spPr>
+      </p:pic>
+    </p:spTree>
+    <p:extLst>
+      <p:ext uri="{BB962C8B-B14F-4D97-AF65-F5344CB8AC3E}">
+        <p14:creationId xmlns:p14="http://schemas.microsoft.com/office/powerpoint/2010/main" val="161932242"/>
+      </p:ext>
+    </p:extLst>
+  </p:cSld>
+  <p:clrMapOvr>
+    <a:masterClrMapping/>
+  </p:clrMapOvr>
+</p:sld>
+</file>
+
+<file path=ppt/slides/slide12.xml><?xml version="1.0" encoding="utf-8"?>
+<p:sld xmlns:a="http://schemas.openxmlformats.org/drawingml/2006/main" xmlns:r="http://schemas.openxmlformats.org/officeDocument/2006/relationships" xmlns:p="http://schemas.openxmlformats.org/presentationml/2006/main">
+  <p:cSld>
+    <p:spTree>
+      <p:nvGrpSpPr>
+        <p:cNvPr id="1" name=""/>
+        <p:cNvGrpSpPr/>
+        <p:nvPr/>
+      </p:nvGrpSpPr>
+      <p:grpSpPr>
+        <a:xfrm>
+          <a:off x="0" y="0"/>
+          <a:ext cx="0" cy="0"/>
+          <a:chOff x="0" y="0"/>
+          <a:chExt cx="0" cy="0"/>
+        </a:xfrm>
+      </p:grpSpPr>
+      <p:pic>
+        <p:nvPicPr>
+          <p:cNvPr id="2" name="Picture 2" descr="Chart, bar chart&#10;&#10;Description automatically generated">
+            <a:extLst>
+              <a:ext uri="{FF2B5EF4-FFF2-40B4-BE49-F238E27FC236}">
+                <a16:creationId xmlns:a16="http://schemas.microsoft.com/office/drawing/2014/main" id="{C82C7225-B67B-445C-B845-686CED88AB7A}"/>
+              </a:ext>
+            </a:extLst>
+          </p:cNvPr>
+          <p:cNvPicPr>
+            <a:picLocks noChangeAspect="1"/>
+          </p:cNvPicPr>
+          <p:nvPr/>
+        </p:nvPicPr>
+        <p:blipFill>
+          <a:blip r:embed="rId2"/>
+          <a:stretch>
+            <a:fillRect/>
+          </a:stretch>
+        </p:blipFill>
+        <p:spPr>
+          <a:xfrm>
+            <a:off x="569343" y="1512609"/>
+            <a:ext cx="8005313" cy="3818402"/>
+          </a:xfrm>
+          <a:prstGeom prst="rect">
+            <a:avLst/>
+          </a:prstGeom>
+        </p:spPr>
+      </p:pic>
+    </p:spTree>
+    <p:extLst>
+      <p:ext uri="{BB962C8B-B14F-4D97-AF65-F5344CB8AC3E}">
+        <p14:creationId xmlns:p14="http://schemas.microsoft.com/office/powerpoint/2010/main" val="4085627265"/>
+      </p:ext>
+    </p:extLst>
+  </p:cSld>
+  <p:clrMapOvr>
+    <a:masterClrMapping/>
+  </p:clrMapOvr>
+</p:sld>
+</file>
+
+<file path=ppt/slides/slide13.xml><?xml version="1.0" encoding="utf-8"?>
+<p:sld xmlns:a="http://schemas.openxmlformats.org/drawingml/2006/main" xmlns:r="http://schemas.openxmlformats.org/officeDocument/2006/relationships" xmlns:p="http://schemas.openxmlformats.org/presentationml/2006/main">
+  <p:cSld>
+    <p:spTree>
+      <p:nvGrpSpPr>
+        <p:cNvPr id="1" name=""/>
+        <p:cNvGrpSpPr/>
+        <p:nvPr/>
+      </p:nvGrpSpPr>
+      <p:grpSpPr>
+        <a:xfrm>
+          <a:off x="0" y="0"/>
+          <a:ext cx="0" cy="0"/>
+          <a:chOff x="0" y="0"/>
+          <a:chExt cx="0" cy="0"/>
+        </a:xfrm>
+      </p:grpSpPr>
+      <p:pic>
+        <p:nvPicPr>
+          <p:cNvPr id="2" name="Picture 2" descr="Chart, pie chart&#10;&#10;Description automatically generated">
+            <a:extLst>
+              <a:ext uri="{FF2B5EF4-FFF2-40B4-BE49-F238E27FC236}">
+                <a16:creationId xmlns:a16="http://schemas.microsoft.com/office/drawing/2014/main" id="{CB84AF9A-DE4C-4320-A253-CB23D91C383D}"/>
+              </a:ext>
+            </a:extLst>
+          </p:cNvPr>
+          <p:cNvPicPr>
+            <a:picLocks noChangeAspect="1"/>
+          </p:cNvPicPr>
+          <p:nvPr/>
+        </p:nvPicPr>
+        <p:blipFill>
+          <a:blip r:embed="rId2"/>
+          <a:stretch>
+            <a:fillRect/>
+          </a:stretch>
+        </p:blipFill>
+        <p:spPr>
+          <a:xfrm>
+            <a:off x="813758" y="1700700"/>
+            <a:ext cx="7530860" cy="3442221"/>
+          </a:xfrm>
+          <a:prstGeom prst="rect">
+            <a:avLst/>
+          </a:prstGeom>
+        </p:spPr>
+      </p:pic>
+    </p:spTree>
+    <p:extLst>
+      <p:ext uri="{BB962C8B-B14F-4D97-AF65-F5344CB8AC3E}">
+        <p14:creationId xmlns:p14="http://schemas.microsoft.com/office/powerpoint/2010/main" val="3383548538"/>
+      </p:ext>
+    </p:extLst>
+  </p:cSld>
+  <p:clrMapOvr>
+    <a:masterClrMapping/>
+  </p:clrMapOvr>
+</p:sld>
+</file>
+
+<file path=ppt/slides/slide14.xml><?xml version="1.0" encoding="utf-8"?>
+<p:sld xmlns:a="http://schemas.openxmlformats.org/drawingml/2006/main" xmlns:r="http://schemas.openxmlformats.org/officeDocument/2006/relationships" xmlns:p="http://schemas.openxmlformats.org/presentationml/2006/main">
+  <p:cSld>
+    <p:spTree>
+      <p:nvGrpSpPr>
+        <p:cNvPr id="1" name=""/>
+        <p:cNvGrpSpPr/>
+        <p:nvPr/>
+      </p:nvGrpSpPr>
+      <p:grpSpPr>
+        <a:xfrm>
+          <a:off x="0" y="0"/>
+          <a:ext cx="0" cy="0"/>
+          <a:chOff x="0" y="0"/>
+          <a:chExt cx="0" cy="0"/>
+        </a:xfrm>
+      </p:grpSpPr>
+      <p:pic>
+        <p:nvPicPr>
+          <p:cNvPr id="2" name="Picture 2" descr="Chart, pie chart, bubble chart&#10;&#10;Description automatically generated">
+            <a:extLst>
+              <a:ext uri="{FF2B5EF4-FFF2-40B4-BE49-F238E27FC236}">
+                <a16:creationId xmlns:a16="http://schemas.microsoft.com/office/drawing/2014/main" id="{48D536C6-FD8F-4723-B900-628FDC3F933D}"/>
+              </a:ext>
+            </a:extLst>
+          </p:cNvPr>
+          <p:cNvPicPr>
+            <a:picLocks noChangeAspect="1"/>
+          </p:cNvPicPr>
+          <p:nvPr/>
+        </p:nvPicPr>
+        <p:blipFill>
+          <a:blip r:embed="rId2"/>
+          <a:stretch>
+            <a:fillRect/>
+          </a:stretch>
+        </p:blipFill>
+        <p:spPr>
+          <a:xfrm>
+            <a:off x="612475" y="1614436"/>
+            <a:ext cx="7933426" cy="3614750"/>
+          </a:xfrm>
+          <a:prstGeom prst="rect">
+            <a:avLst/>
+          </a:prstGeom>
+        </p:spPr>
+      </p:pic>
+    </p:spTree>
+    <p:extLst>
+      <p:ext uri="{BB962C8B-B14F-4D97-AF65-F5344CB8AC3E}">
+        <p14:creationId xmlns:p14="http://schemas.microsoft.com/office/powerpoint/2010/main" val="230893451"/>
+      </p:ext>
+    </p:extLst>
+  </p:cSld>
+  <p:clrMapOvr>
+    <a:masterClrMapping/>
+  </p:clrMapOvr>
+</p:sld>
+</file>
+
+<file path=ppt/slides/slide15.xml><?xml version="1.0" encoding="utf-8"?>
+<p:sld xmlns:a="http://schemas.openxmlformats.org/drawingml/2006/main" xmlns:r="http://schemas.openxmlformats.org/officeDocument/2006/relationships" xmlns:p="http://schemas.openxmlformats.org/presentationml/2006/main">
+  <p:cSld>
+    <p:spTree>
+      <p:nvGrpSpPr>
+        <p:cNvPr id="1" name=""/>
+        <p:cNvGrpSpPr/>
+        <p:nvPr/>
+      </p:nvGrpSpPr>
+      <p:grpSpPr>
+        <a:xfrm>
+          <a:off x="0" y="0"/>
+          <a:ext cx="0" cy="0"/>
+          <a:chOff x="0" y="0"/>
+          <a:chExt cx="0" cy="0"/>
+        </a:xfrm>
+      </p:grpSpPr>
+      <p:pic>
+        <p:nvPicPr>
+          <p:cNvPr id="2" name="Picture 2" descr="Chart, pie chart, bubble chart&#10;&#10;Description automatically generated">
+            <a:extLst>
+              <a:ext uri="{FF2B5EF4-FFF2-40B4-BE49-F238E27FC236}">
+                <a16:creationId xmlns:a16="http://schemas.microsoft.com/office/drawing/2014/main" id="{28FF561E-54E3-4DEA-81C4-149FA2288346}"/>
+              </a:ext>
+            </a:extLst>
+          </p:cNvPr>
+          <p:cNvPicPr>
+            <a:picLocks noChangeAspect="1"/>
+          </p:cNvPicPr>
+          <p:nvPr/>
+        </p:nvPicPr>
+        <p:blipFill>
+          <a:blip r:embed="rId2"/>
+          <a:stretch>
+            <a:fillRect/>
+          </a:stretch>
+        </p:blipFill>
+        <p:spPr>
+          <a:xfrm>
+            <a:off x="842513" y="1729455"/>
+            <a:ext cx="7458973" cy="3399089"/>
+          </a:xfrm>
+          <a:prstGeom prst="rect">
+            <a:avLst/>
+          </a:prstGeom>
+        </p:spPr>
+      </p:pic>
+    </p:spTree>
+    <p:extLst>
+      <p:ext uri="{BB962C8B-B14F-4D97-AF65-F5344CB8AC3E}">
+        <p14:creationId xmlns:p14="http://schemas.microsoft.com/office/powerpoint/2010/main" val="2320460541"/>
+      </p:ext>
+    </p:extLst>
+  </p:cSld>
+  <p:clrMapOvr>
+    <a:masterClrMapping/>
+  </p:clrMapOvr>
+</p:sld>
+</file>
+
+<file path=ppt/slides/slide16.xml><?xml version="1.0" encoding="utf-8"?>
+<p:sld xmlns:a="http://schemas.openxmlformats.org/drawingml/2006/main" xmlns:r="http://schemas.openxmlformats.org/officeDocument/2006/relationships" xmlns:p="http://schemas.openxmlformats.org/presentationml/2006/main">
+  <p:cSld>
+    <p:spTree>
+      <p:nvGrpSpPr>
+        <p:cNvPr id="1" name=""/>
+        <p:cNvGrpSpPr/>
+        <p:nvPr/>
+      </p:nvGrpSpPr>
+      <p:grpSpPr>
+        <a:xfrm>
+          <a:off x="0" y="0"/>
+          <a:ext cx="0" cy="0"/>
+          <a:chOff x="0" y="0"/>
+          <a:chExt cx="0" cy="0"/>
+        </a:xfrm>
+      </p:grpSpPr>
+      <p:sp>
+        <p:nvSpPr>
+          <p:cNvPr id="2" name="TextBox 1">
+            <a:extLst>
+              <a:ext uri="{FF2B5EF4-FFF2-40B4-BE49-F238E27FC236}">
+                <a16:creationId xmlns:a16="http://schemas.microsoft.com/office/drawing/2014/main" id="{D38D614D-0423-43CE-BC02-53F5FC446C33}"/>
+              </a:ext>
+            </a:extLst>
+          </p:cNvPr>
+          <p:cNvSpPr txBox="1"/>
+          <p:nvPr/>
+        </p:nvSpPr>
+        <p:spPr>
+          <a:xfrm>
+            <a:off x="1302589" y="1949571"/>
+            <a:ext cx="7444596" cy="2862322"/>
+          </a:xfrm>
+          <a:prstGeom prst="rect">
+            <a:avLst/>
+          </a:prstGeom>
+          <a:noFill/>
+        </p:spPr>
+        <p:txBody>
+          <a:bodyPr rot="0" spcFirstLastPara="0" vertOverflow="overflow" horzOverflow="overflow" vert="horz" wrap="square" lIns="91440" tIns="45720" rIns="91440" bIns="45720" numCol="1" spcCol="0" rtlCol="0" fromWordArt="0" anchor="t" anchorCtr="0" forceAA="0" compatLnSpc="1">
+            <a:prstTxWarp prst="textNoShape">
+              <a:avLst/>
+            </a:prstTxWarp>
+            <a:spAutoFit/>
+          </a:bodyPr>
+          <a:lstStyle/>
+          <a:p>
+            <a:r>
+              <a:rPr lang="es-CO" sz="6000" dirty="0">
+                <a:cs typeface="Calibri"/>
+              </a:rPr>
+              <a:t>Entrevista instructores (algunas graficas).</a:t>
+            </a:r>
+          </a:p>
+        </p:txBody>
+      </p:sp>
+    </p:spTree>
+    <p:extLst>
+      <p:ext uri="{BB962C8B-B14F-4D97-AF65-F5344CB8AC3E}">
+        <p14:creationId xmlns:p14="http://schemas.microsoft.com/office/powerpoint/2010/main" val="4138525924"/>
+      </p:ext>
+    </p:extLst>
+  </p:cSld>
+  <p:clrMapOvr>
+    <a:masterClrMapping/>
+  </p:clrMapOvr>
+</p:sld>
+</file>
+
+<file path=ppt/slides/slide17.xml><?xml version="1.0" encoding="utf-8"?>
+<p:sld xmlns:a="http://schemas.openxmlformats.org/drawingml/2006/main" xmlns:r="http://schemas.openxmlformats.org/officeDocument/2006/relationships" xmlns:p="http://schemas.openxmlformats.org/presentationml/2006/main">
+  <p:cSld>
+    <p:spTree>
+      <p:nvGrpSpPr>
+        <p:cNvPr id="1" name=""/>
+        <p:cNvGrpSpPr/>
+        <p:nvPr/>
+      </p:nvGrpSpPr>
+      <p:grpSpPr>
+        <a:xfrm>
+          <a:off x="0" y="0"/>
+          <a:ext cx="0" cy="0"/>
+          <a:chOff x="0" y="0"/>
+          <a:chExt cx="0" cy="0"/>
+        </a:xfrm>
+      </p:grpSpPr>
+      <p:pic>
+        <p:nvPicPr>
+          <p:cNvPr id="2" name="Picture 2" descr="Chart, pie chart, bubble chart&#10;&#10;Description automatically generated">
+            <a:extLst>
+              <a:ext uri="{FF2B5EF4-FFF2-40B4-BE49-F238E27FC236}">
+                <a16:creationId xmlns:a16="http://schemas.microsoft.com/office/drawing/2014/main" id="{056579A8-134F-40F7-8879-B85A219D5DF8}"/>
+              </a:ext>
+            </a:extLst>
+          </p:cNvPr>
+          <p:cNvPicPr>
+            <a:picLocks noChangeAspect="1"/>
+          </p:cNvPicPr>
+          <p:nvPr/>
+        </p:nvPicPr>
+        <p:blipFill>
+          <a:blip r:embed="rId2"/>
+          <a:stretch>
+            <a:fillRect/>
+          </a:stretch>
+        </p:blipFill>
+        <p:spPr>
+          <a:xfrm>
+            <a:off x="971909" y="2146398"/>
+            <a:ext cx="7200181" cy="3284070"/>
+          </a:xfrm>
+          <a:prstGeom prst="rect">
+            <a:avLst/>
+          </a:prstGeom>
+        </p:spPr>
+      </p:pic>
+    </p:spTree>
+    <p:extLst>
+      <p:ext uri="{BB962C8B-B14F-4D97-AF65-F5344CB8AC3E}">
+        <p14:creationId xmlns:p14="http://schemas.microsoft.com/office/powerpoint/2010/main" val="525635640"/>
+      </p:ext>
+    </p:extLst>
+  </p:cSld>
+  <p:clrMapOvr>
+    <a:masterClrMapping/>
+  </p:clrMapOvr>
+</p:sld>
+</file>
+
+<file path=ppt/slides/slide18.xml><?xml version="1.0" encoding="utf-8"?>
+<p:sld xmlns:a="http://schemas.openxmlformats.org/drawingml/2006/main" xmlns:r="http://schemas.openxmlformats.org/officeDocument/2006/relationships" xmlns:p="http://schemas.openxmlformats.org/presentationml/2006/main">
+  <p:cSld>
+    <p:spTree>
+      <p:nvGrpSpPr>
+        <p:cNvPr id="1" name=""/>
+        <p:cNvGrpSpPr/>
+        <p:nvPr/>
+      </p:nvGrpSpPr>
+      <p:grpSpPr>
+        <a:xfrm>
+          <a:off x="0" y="0"/>
+          <a:ext cx="0" cy="0"/>
+          <a:chOff x="0" y="0"/>
+          <a:chExt cx="0" cy="0"/>
+        </a:xfrm>
+      </p:grpSpPr>
+      <p:pic>
+        <p:nvPicPr>
+          <p:cNvPr id="3" name="Picture 3" descr="Chart, bar chart, histogram&#10;&#10;Description automatically generated">
+            <a:extLst>
+              <a:ext uri="{FF2B5EF4-FFF2-40B4-BE49-F238E27FC236}">
+                <a16:creationId xmlns:a16="http://schemas.microsoft.com/office/drawing/2014/main" id="{7871C4DF-082D-410F-AE0C-C929258AAF94}"/>
+              </a:ext>
+            </a:extLst>
+          </p:cNvPr>
+          <p:cNvPicPr>
+            <a:picLocks noChangeAspect="1"/>
+          </p:cNvPicPr>
+          <p:nvPr/>
+        </p:nvPicPr>
+        <p:blipFill>
+          <a:blip r:embed="rId2"/>
+          <a:stretch>
+            <a:fillRect/>
+          </a:stretch>
+        </p:blipFill>
+        <p:spPr>
+          <a:xfrm>
+            <a:off x="1374475" y="2576534"/>
+            <a:ext cx="6409427" cy="3056402"/>
+          </a:xfrm>
+          <a:prstGeom prst="rect">
+            <a:avLst/>
+          </a:prstGeom>
+        </p:spPr>
+      </p:pic>
+    </p:spTree>
+    <p:extLst>
+      <p:ext uri="{BB962C8B-B14F-4D97-AF65-F5344CB8AC3E}">
+        <p14:creationId xmlns:p14="http://schemas.microsoft.com/office/powerpoint/2010/main" val="946505797"/>
+      </p:ext>
+    </p:extLst>
+  </p:cSld>
+  <p:clrMapOvr>
+    <a:masterClrMapping/>
+  </p:clrMapOvr>
+</p:sld>
+</file>
+
+<file path=ppt/slides/slide19.xml><?xml version="1.0" encoding="utf-8"?>
+<p:sld xmlns:a="http://schemas.openxmlformats.org/drawingml/2006/main" xmlns:r="http://schemas.openxmlformats.org/officeDocument/2006/relationships" xmlns:p="http://schemas.openxmlformats.org/presentationml/2006/main">
+  <p:cSld>
+    <p:spTree>
+      <p:nvGrpSpPr>
+        <p:cNvPr id="1" name=""/>
+        <p:cNvGrpSpPr/>
+        <p:nvPr/>
+      </p:nvGrpSpPr>
+      <p:grpSpPr>
+        <a:xfrm>
+          <a:off x="0" y="0"/>
+          <a:ext cx="0" cy="0"/>
+          <a:chOff x="0" y="0"/>
+          <a:chExt cx="0" cy="0"/>
+        </a:xfrm>
+      </p:grpSpPr>
+      <p:pic>
+        <p:nvPicPr>
+          <p:cNvPr id="2" name="Picture 3" descr="Chart, pie chart, bubble chart&#10;&#10;Description automatically generated">
+            <a:extLst>
+              <a:ext uri="{FF2B5EF4-FFF2-40B4-BE49-F238E27FC236}">
+                <a16:creationId xmlns:a16="http://schemas.microsoft.com/office/drawing/2014/main" id="{E75D3261-8AD6-4BEA-BBF4-2FEAFD0210C4}"/>
+              </a:ext>
+            </a:extLst>
+          </p:cNvPr>
+          <p:cNvPicPr>
+            <a:picLocks noChangeAspect="1"/>
+          </p:cNvPicPr>
+          <p:nvPr/>
+        </p:nvPicPr>
+        <p:blipFill>
+          <a:blip r:embed="rId2"/>
+          <a:stretch>
+            <a:fillRect/>
+          </a:stretch>
+        </p:blipFill>
+        <p:spPr>
+          <a:xfrm>
+            <a:off x="468702" y="2507609"/>
+            <a:ext cx="8220973" cy="3481800"/>
+          </a:xfrm>
+          <a:prstGeom prst="rect">
+            <a:avLst/>
+          </a:prstGeom>
+        </p:spPr>
+      </p:pic>
+    </p:spTree>
+    <p:extLst>
+      <p:ext uri="{BB962C8B-B14F-4D97-AF65-F5344CB8AC3E}">
+        <p14:creationId xmlns:p14="http://schemas.microsoft.com/office/powerpoint/2010/main" val="2169122102"/>
+      </p:ext>
+    </p:extLst>
+  </p:cSld>
+  <p:clrMapOvr>
+    <a:masterClrMapping/>
+  </p:clrMapOvr>
+</p:sld>
+</file>
+
 <file path=ppt/slides/slide2.xml><?xml version="1.0" encoding="utf-8"?>
 <p:sld xmlns:a="http://schemas.openxmlformats.org/drawingml/2006/main" xmlns:r="http://schemas.openxmlformats.org/officeDocument/2006/relationships" xmlns:p="http://schemas.openxmlformats.org/presentationml/2006/main">
   <p:cSld>
@@ -12916,6 +13552,750 @@
     <p:extLst>
       <p:ext uri="{BB962C8B-B14F-4D97-AF65-F5344CB8AC3E}">
         <p14:creationId xmlns:p14="http://schemas.microsoft.com/office/powerpoint/2010/main" val="2628551686"/>
+      </p:ext>
+    </p:extLst>
+  </p:cSld>
+  <p:clrMapOvr>
+    <a:masterClrMapping/>
+  </p:clrMapOvr>
+</p:sld>
+</file>
+
+<file path=ppt/slides/slide20.xml><?xml version="1.0" encoding="utf-8"?>
+<p:sld xmlns:a="http://schemas.openxmlformats.org/drawingml/2006/main" xmlns:r="http://schemas.openxmlformats.org/officeDocument/2006/relationships" xmlns:p="http://schemas.openxmlformats.org/presentationml/2006/main">
+  <p:cSld>
+    <p:spTree>
+      <p:nvGrpSpPr>
+        <p:cNvPr id="1" name=""/>
+        <p:cNvGrpSpPr/>
+        <p:nvPr/>
+      </p:nvGrpSpPr>
+      <p:grpSpPr>
+        <a:xfrm>
+          <a:off x="0" y="0"/>
+          <a:ext cx="0" cy="0"/>
+          <a:chOff x="0" y="0"/>
+          <a:chExt cx="0" cy="0"/>
+        </a:xfrm>
+      </p:grpSpPr>
+      <p:pic>
+        <p:nvPicPr>
+          <p:cNvPr id="3" name="Picture 3" descr="Chart, pie chart, bubble chart&#10;&#10;Description automatically generated">
+            <a:extLst>
+              <a:ext uri="{FF2B5EF4-FFF2-40B4-BE49-F238E27FC236}">
+                <a16:creationId xmlns:a16="http://schemas.microsoft.com/office/drawing/2014/main" id="{D8B82D9C-3109-431D-B876-FAB8CBB4B538}"/>
+              </a:ext>
+            </a:extLst>
+          </p:cNvPr>
+          <p:cNvPicPr>
+            <a:picLocks noChangeAspect="1"/>
+          </p:cNvPicPr>
+          <p:nvPr/>
+        </p:nvPicPr>
+        <p:blipFill>
+          <a:blip r:embed="rId2"/>
+          <a:stretch>
+            <a:fillRect/>
+          </a:stretch>
+        </p:blipFill>
+        <p:spPr>
+          <a:xfrm>
+            <a:off x="713117" y="2290173"/>
+            <a:ext cx="7732143" cy="3528486"/>
+          </a:xfrm>
+          <a:prstGeom prst="rect">
+            <a:avLst/>
+          </a:prstGeom>
+        </p:spPr>
+      </p:pic>
+    </p:spTree>
+    <p:extLst>
+      <p:ext uri="{BB962C8B-B14F-4D97-AF65-F5344CB8AC3E}">
+        <p14:creationId xmlns:p14="http://schemas.microsoft.com/office/powerpoint/2010/main" val="4166361734"/>
+      </p:ext>
+    </p:extLst>
+  </p:cSld>
+  <p:clrMapOvr>
+    <a:masterClrMapping/>
+  </p:clrMapOvr>
+</p:sld>
+</file>
+
+<file path=ppt/slides/slide21.xml><?xml version="1.0" encoding="utf-8"?>
+<p:sld xmlns:a="http://schemas.openxmlformats.org/drawingml/2006/main" xmlns:r="http://schemas.openxmlformats.org/officeDocument/2006/relationships" xmlns:p="http://schemas.openxmlformats.org/presentationml/2006/main">
+  <p:cSld>
+    <p:spTree>
+      <p:nvGrpSpPr>
+        <p:cNvPr id="1" name=""/>
+        <p:cNvGrpSpPr/>
+        <p:nvPr/>
+      </p:nvGrpSpPr>
+      <p:grpSpPr>
+        <a:xfrm>
+          <a:off x="0" y="0"/>
+          <a:ext cx="0" cy="0"/>
+          <a:chOff x="0" y="0"/>
+          <a:chExt cx="0" cy="0"/>
+        </a:xfrm>
+      </p:grpSpPr>
+      <p:sp>
+        <p:nvSpPr>
+          <p:cNvPr id="2" name="TextBox 1">
+            <a:extLst>
+              <a:ext uri="{FF2B5EF4-FFF2-40B4-BE49-F238E27FC236}">
+                <a16:creationId xmlns:a16="http://schemas.microsoft.com/office/drawing/2014/main" id="{D38D614D-0423-43CE-BC02-53F5FC446C33}"/>
+              </a:ext>
+            </a:extLst>
+          </p:cNvPr>
+          <p:cNvSpPr txBox="1"/>
+          <p:nvPr/>
+        </p:nvSpPr>
+        <p:spPr>
+          <a:xfrm>
+            <a:off x="1302589" y="1949571"/>
+            <a:ext cx="7444596" cy="1938992"/>
+          </a:xfrm>
+          <a:prstGeom prst="rect">
+            <a:avLst/>
+          </a:prstGeom>
+          <a:noFill/>
+        </p:spPr>
+        <p:txBody>
+          <a:bodyPr rot="0" spcFirstLastPara="0" vertOverflow="overflow" horzOverflow="overflow" vert="horz" wrap="square" lIns="91440" tIns="45720" rIns="91440" bIns="45720" numCol="1" spcCol="0" rtlCol="0" fromWordArt="0" anchor="t" anchorCtr="0" forceAA="0" compatLnSpc="1">
+            <a:prstTxWarp prst="textNoShape">
+              <a:avLst/>
+            </a:prstTxWarp>
+            <a:spAutoFit/>
+          </a:bodyPr>
+          <a:lstStyle/>
+          <a:p>
+            <a:r>
+              <a:rPr lang="es-CO" sz="6000" dirty="0">
+                <a:cs typeface="Calibri"/>
+              </a:rPr>
+              <a:t>Técnicas de recolección de información.</a:t>
+            </a:r>
+          </a:p>
+        </p:txBody>
+      </p:sp>
+    </p:spTree>
+    <p:extLst>
+      <p:ext uri="{BB962C8B-B14F-4D97-AF65-F5344CB8AC3E}">
+        <p14:creationId xmlns:p14="http://schemas.microsoft.com/office/powerpoint/2010/main" val="131724500"/>
+      </p:ext>
+    </p:extLst>
+  </p:cSld>
+  <p:clrMapOvr>
+    <a:masterClrMapping/>
+  </p:clrMapOvr>
+</p:sld>
+</file>
+
+<file path=ppt/slides/slide22.xml><?xml version="1.0" encoding="utf-8"?>
+<p:sld xmlns:a="http://schemas.openxmlformats.org/drawingml/2006/main" xmlns:r="http://schemas.openxmlformats.org/officeDocument/2006/relationships" xmlns:p="http://schemas.openxmlformats.org/presentationml/2006/main">
+  <p:cSld>
+    <p:spTree>
+      <p:nvGrpSpPr>
+        <p:cNvPr id="1" name=""/>
+        <p:cNvGrpSpPr/>
+        <p:nvPr/>
+      </p:nvGrpSpPr>
+      <p:grpSpPr>
+        <a:xfrm>
+          <a:off x="0" y="0"/>
+          <a:ext cx="0" cy="0"/>
+          <a:chOff x="0" y="0"/>
+          <a:chExt cx="0" cy="0"/>
+        </a:xfrm>
+      </p:grpSpPr>
+      <p:sp>
+        <p:nvSpPr>
+          <p:cNvPr id="2" name="TextBox 1">
+            <a:extLst>
+              <a:ext uri="{FF2B5EF4-FFF2-40B4-BE49-F238E27FC236}">
+                <a16:creationId xmlns:a16="http://schemas.microsoft.com/office/drawing/2014/main" id="{C226F5D5-ECD6-49B5-AC42-F518EF0A9F27}"/>
+              </a:ext>
+            </a:extLst>
+          </p:cNvPr>
+          <p:cNvSpPr txBox="1"/>
+          <p:nvPr/>
+        </p:nvSpPr>
+        <p:spPr>
+          <a:xfrm>
+            <a:off x="3991155" y="296174"/>
+            <a:ext cx="1176068" cy="523220"/>
+          </a:xfrm>
+          <a:prstGeom prst="rect">
+            <a:avLst/>
+          </a:prstGeom>
+          <a:noFill/>
+        </p:spPr>
+        <p:txBody>
+          <a:bodyPr rot="0" spcFirstLastPara="0" vertOverflow="overflow" horzOverflow="overflow" vert="horz" wrap="square" lIns="91440" tIns="45720" rIns="91440" bIns="45720" numCol="1" spcCol="0" rtlCol="0" fromWordArt="0" anchor="t" anchorCtr="0" forceAA="0" compatLnSpc="1">
+            <a:prstTxWarp prst="textNoShape">
+              <a:avLst/>
+            </a:prstTxWarp>
+            <a:spAutoFit/>
+          </a:bodyPr>
+          <a:lstStyle/>
+          <a:p>
+            <a:pPr algn="l"/>
+            <a:r>
+              <a:rPr lang="en-US" sz="2800" dirty="0" err="1">
+                <a:cs typeface="Calibri"/>
+              </a:rPr>
+              <a:t>Bpmn</a:t>
+            </a:r>
+            <a:endParaRPr lang="en-US" sz="2800" dirty="0">
+              <a:cs typeface="Calibri"/>
+            </a:endParaRPr>
+          </a:p>
+        </p:txBody>
+      </p:sp>
+      <p:pic>
+        <p:nvPicPr>
+          <p:cNvPr id="3" name="Picture 3" descr="Map&#10;&#10;Description automatically generated">
+            <a:extLst>
+              <a:ext uri="{FF2B5EF4-FFF2-40B4-BE49-F238E27FC236}">
+                <a16:creationId xmlns:a16="http://schemas.microsoft.com/office/drawing/2014/main" id="{603E2570-9723-4D5A-981C-921550CC423F}"/>
+              </a:ext>
+            </a:extLst>
+          </p:cNvPr>
+          <p:cNvPicPr>
+            <a:picLocks noChangeAspect="1"/>
+          </p:cNvPicPr>
+          <p:nvPr/>
+        </p:nvPicPr>
+        <p:blipFill>
+          <a:blip r:embed="rId2"/>
+          <a:stretch>
+            <a:fillRect/>
+          </a:stretch>
+        </p:blipFill>
+        <p:spPr>
+          <a:xfrm>
+            <a:off x="971909" y="1574914"/>
+            <a:ext cx="7214559" cy="2327947"/>
+          </a:xfrm>
+          <a:prstGeom prst="rect">
+            <a:avLst/>
+          </a:prstGeom>
+        </p:spPr>
+      </p:pic>
+      <p:sp>
+        <p:nvSpPr>
+          <p:cNvPr id="4" name="TextBox 3">
+            <a:extLst>
+              <a:ext uri="{FF2B5EF4-FFF2-40B4-BE49-F238E27FC236}">
+                <a16:creationId xmlns:a16="http://schemas.microsoft.com/office/drawing/2014/main" id="{8849AD5A-79E5-4979-A8DD-4D8FD5E260EB}"/>
+              </a:ext>
+            </a:extLst>
+          </p:cNvPr>
+          <p:cNvSpPr txBox="1"/>
+          <p:nvPr/>
+        </p:nvSpPr>
+        <p:spPr>
+          <a:xfrm>
+            <a:off x="3630822" y="4306558"/>
+            <a:ext cx="2743200" cy="369332"/>
+          </a:xfrm>
+          <a:prstGeom prst="rect">
+            <a:avLst/>
+          </a:prstGeom>
+          <a:noFill/>
+        </p:spPr>
+        <p:txBody>
+          <a:bodyPr rot="0" spcFirstLastPara="0" vertOverflow="overflow" horzOverflow="overflow" vert="horz" wrap="square" lIns="91440" tIns="45720" rIns="91440" bIns="45720" numCol="1" spcCol="0" rtlCol="0" fromWordArt="0" anchor="t" anchorCtr="0" forceAA="0" compatLnSpc="1">
+            <a:prstTxWarp prst="textNoShape">
+              <a:avLst/>
+            </a:prstTxWarp>
+            <a:spAutoFit/>
+          </a:bodyPr>
+          <a:lstStyle/>
+          <a:p>
+            <a:r>
+              <a:rPr lang="en-US" dirty="0"/>
+              <a:t>Ver imagen </a:t>
+            </a:r>
+            <a:r>
+              <a:rPr lang="en-US" dirty="0" err="1"/>
+              <a:t>adjunta</a:t>
+            </a:r>
+            <a:endParaRPr lang="en-US" dirty="0" err="1">
+              <a:cs typeface="Calibri"/>
+            </a:endParaRPr>
+          </a:p>
+        </p:txBody>
+      </p:sp>
+    </p:spTree>
+    <p:extLst>
+      <p:ext uri="{BB962C8B-B14F-4D97-AF65-F5344CB8AC3E}">
+        <p14:creationId xmlns:p14="http://schemas.microsoft.com/office/powerpoint/2010/main" val="796268109"/>
+      </p:ext>
+    </p:extLst>
+  </p:cSld>
+  <p:clrMapOvr>
+    <a:masterClrMapping/>
+  </p:clrMapOvr>
+</p:sld>
+</file>
+
+<file path=ppt/slides/slide23.xml><?xml version="1.0" encoding="utf-8"?>
+<p:sld xmlns:a="http://schemas.openxmlformats.org/drawingml/2006/main" xmlns:r="http://schemas.openxmlformats.org/officeDocument/2006/relationships" xmlns:p="http://schemas.openxmlformats.org/presentationml/2006/main">
+  <p:cSld>
+    <p:spTree>
+      <p:nvGrpSpPr>
+        <p:cNvPr id="1" name=""/>
+        <p:cNvGrpSpPr/>
+        <p:nvPr/>
+      </p:nvGrpSpPr>
+      <p:grpSpPr>
+        <a:xfrm>
+          <a:off x="0" y="0"/>
+          <a:ext cx="0" cy="0"/>
+          <a:chOff x="0" y="0"/>
+          <a:chExt cx="0" cy="0"/>
+        </a:xfrm>
+      </p:grpSpPr>
+      <p:sp>
+        <p:nvSpPr>
+          <p:cNvPr id="4" name="Marcador de contenido 2"/>
+          <p:cNvSpPr txBox="1">
+            <a:spLocks/>
+          </p:cNvSpPr>
+          <p:nvPr/>
+        </p:nvSpPr>
+        <p:spPr>
+          <a:xfrm>
+            <a:off x="426569" y="2431358"/>
+            <a:ext cx="7486336" cy="3935699"/>
+          </a:xfrm>
+          <a:prstGeom prst="rect">
+            <a:avLst/>
+          </a:prstGeom>
+        </p:spPr>
+        <p:txBody>
+          <a:bodyPr vert="horz" lIns="91440" tIns="45720" rIns="91440" bIns="45720" rtlCol="0">
+            <a:noAutofit/>
+          </a:bodyPr>
+          <a:lstStyle>
+            <a:lvl1pPr marL="342900" indent="-342900" algn="l" defTabSz="457200" rtl="0" eaLnBrk="1" latinLnBrk="0" hangingPunct="1">
+              <a:spcBef>
+                <a:spcPct val="20000"/>
+              </a:spcBef>
+              <a:buFont typeface="Arial"/>
+              <a:buChar char="•"/>
+              <a:defRPr sz="3200" kern="1200">
+                <a:solidFill>
+                  <a:schemeClr val="tx1"/>
+                </a:solidFill>
+                <a:latin typeface="+mn-lt"/>
+                <a:ea typeface="+mn-ea"/>
+                <a:cs typeface="+mn-cs"/>
+              </a:defRPr>
+            </a:lvl1pPr>
+            <a:lvl2pPr marL="742950" indent="-285750" algn="l" defTabSz="457200" rtl="0" eaLnBrk="1" latinLnBrk="0" hangingPunct="1">
+              <a:spcBef>
+                <a:spcPct val="20000"/>
+              </a:spcBef>
+              <a:buFont typeface="Arial"/>
+              <a:buChar char="–"/>
+              <a:defRPr sz="2800" kern="1200">
+                <a:solidFill>
+                  <a:schemeClr val="tx1"/>
+                </a:solidFill>
+                <a:latin typeface="+mn-lt"/>
+                <a:ea typeface="+mn-ea"/>
+                <a:cs typeface="+mn-cs"/>
+              </a:defRPr>
+            </a:lvl2pPr>
+            <a:lvl3pPr marL="1143000" indent="-228600" algn="l" defTabSz="457200" rtl="0" eaLnBrk="1" latinLnBrk="0" hangingPunct="1">
+              <a:spcBef>
+                <a:spcPct val="20000"/>
+              </a:spcBef>
+              <a:buFont typeface="Arial"/>
+              <a:buChar char="•"/>
+              <a:defRPr sz="2400" kern="1200">
+                <a:solidFill>
+                  <a:schemeClr val="tx1"/>
+                </a:solidFill>
+                <a:latin typeface="+mn-lt"/>
+                <a:ea typeface="+mn-ea"/>
+                <a:cs typeface="+mn-cs"/>
+              </a:defRPr>
+            </a:lvl3pPr>
+            <a:lvl4pPr marL="1600200" indent="-228600" algn="l" defTabSz="457200" rtl="0" eaLnBrk="1" latinLnBrk="0" hangingPunct="1">
+              <a:spcBef>
+                <a:spcPct val="20000"/>
+              </a:spcBef>
+              <a:buFont typeface="Arial"/>
+              <a:buChar char="–"/>
+              <a:defRPr sz="2000" kern="1200">
+                <a:solidFill>
+                  <a:schemeClr val="tx1"/>
+                </a:solidFill>
+                <a:latin typeface="+mn-lt"/>
+                <a:ea typeface="+mn-ea"/>
+                <a:cs typeface="+mn-cs"/>
+              </a:defRPr>
+            </a:lvl4pPr>
+            <a:lvl5pPr marL="2057400" indent="-228600" algn="l" defTabSz="457200" rtl="0" eaLnBrk="1" latinLnBrk="0" hangingPunct="1">
+              <a:spcBef>
+                <a:spcPct val="20000"/>
+              </a:spcBef>
+              <a:buFont typeface="Arial"/>
+              <a:buChar char="»"/>
+              <a:defRPr sz="2000" kern="1200">
+                <a:solidFill>
+                  <a:schemeClr val="tx1"/>
+                </a:solidFill>
+                <a:latin typeface="+mn-lt"/>
+                <a:ea typeface="+mn-ea"/>
+                <a:cs typeface="+mn-cs"/>
+              </a:defRPr>
+            </a:lvl5pPr>
+            <a:lvl6pPr marL="2514600" indent="-228600" algn="l" defTabSz="457200" rtl="0" eaLnBrk="1" latinLnBrk="0" hangingPunct="1">
+              <a:spcBef>
+                <a:spcPct val="20000"/>
+              </a:spcBef>
+              <a:buFont typeface="Arial"/>
+              <a:buChar char="•"/>
+              <a:defRPr sz="2000" kern="1200">
+                <a:solidFill>
+                  <a:schemeClr val="tx1"/>
+                </a:solidFill>
+                <a:latin typeface="+mn-lt"/>
+                <a:ea typeface="+mn-ea"/>
+                <a:cs typeface="+mn-cs"/>
+              </a:defRPr>
+            </a:lvl6pPr>
+            <a:lvl7pPr marL="2971800" indent="-228600" algn="l" defTabSz="457200" rtl="0" eaLnBrk="1" latinLnBrk="0" hangingPunct="1">
+              <a:spcBef>
+                <a:spcPct val="20000"/>
+              </a:spcBef>
+              <a:buFont typeface="Arial"/>
+              <a:buChar char="•"/>
+              <a:defRPr sz="2000" kern="1200">
+                <a:solidFill>
+                  <a:schemeClr val="tx1"/>
+                </a:solidFill>
+                <a:latin typeface="+mn-lt"/>
+                <a:ea typeface="+mn-ea"/>
+                <a:cs typeface="+mn-cs"/>
+              </a:defRPr>
+            </a:lvl7pPr>
+            <a:lvl8pPr marL="3429000" indent="-228600" algn="l" defTabSz="457200" rtl="0" eaLnBrk="1" latinLnBrk="0" hangingPunct="1">
+              <a:spcBef>
+                <a:spcPct val="20000"/>
+              </a:spcBef>
+              <a:buFont typeface="Arial"/>
+              <a:buChar char="•"/>
+              <a:defRPr sz="2000" kern="1200">
+                <a:solidFill>
+                  <a:schemeClr val="tx1"/>
+                </a:solidFill>
+                <a:latin typeface="+mn-lt"/>
+                <a:ea typeface="+mn-ea"/>
+                <a:cs typeface="+mn-cs"/>
+              </a:defRPr>
+            </a:lvl8pPr>
+            <a:lvl9pPr marL="3886200" indent="-228600" algn="l" defTabSz="457200" rtl="0" eaLnBrk="1" latinLnBrk="0" hangingPunct="1">
+              <a:spcBef>
+                <a:spcPct val="20000"/>
+              </a:spcBef>
+              <a:buFont typeface="Arial"/>
+              <a:buChar char="•"/>
+              <a:defRPr sz="2000" kern="1200">
+                <a:solidFill>
+                  <a:schemeClr val="tx1"/>
+                </a:solidFill>
+                <a:latin typeface="+mn-lt"/>
+                <a:ea typeface="+mn-ea"/>
+                <a:cs typeface="+mn-cs"/>
+              </a:defRPr>
+            </a:lvl9pPr>
+          </a:lstStyle>
+          <a:p>
+            <a:pPr>
+              <a:buFont typeface="Wingdings" pitchFamily="2" charset="2"/>
+              <a:buChar char="q"/>
+            </a:pPr>
+            <a:r>
+              <a:rPr lang="es-CO" sz="2800" dirty="0"/>
+              <a:t>Informe de Requerimientos(Estándar IEEE830)</a:t>
+            </a:r>
+          </a:p>
+          <a:p>
+            <a:pPr marL="457200" lvl="1" indent="0">
+              <a:buNone/>
+            </a:pPr>
+            <a:r>
+              <a:rPr lang="es-CO" sz="2400" dirty="0"/>
+              <a:t>-Requerimientos funcionales </a:t>
+            </a:r>
+          </a:p>
+          <a:p>
+            <a:pPr marL="457200" lvl="1" indent="0">
+              <a:buNone/>
+            </a:pPr>
+            <a:r>
+              <a:rPr lang="es-CO" sz="2400" dirty="0"/>
+              <a:t>-Requerimientos No funcionales </a:t>
+            </a:r>
+          </a:p>
+          <a:p>
+            <a:pPr marL="457200" lvl="1" indent="0">
+              <a:buNone/>
+            </a:pPr>
+            <a:r>
+              <a:rPr lang="es-CO" sz="2400" dirty="0"/>
+              <a:t>IEEE 1362 y 1233</a:t>
+            </a:r>
+          </a:p>
+          <a:p>
+            <a:pPr marL="457200" lvl="1" indent="0">
+              <a:buNone/>
+            </a:pPr>
+            <a:endParaRPr lang="es-CO" sz="2400" dirty="0"/>
+          </a:p>
+          <a:p>
+            <a:pPr lvl="1">
+              <a:buFont typeface="Wingdings" pitchFamily="2" charset="2"/>
+              <a:buChar char="q"/>
+            </a:pPr>
+            <a:r>
+              <a:rPr lang="es-CO" sz="2400" dirty="0"/>
+              <a:t>Casos de Uso</a:t>
+            </a:r>
+          </a:p>
+          <a:p>
+            <a:pPr marL="457200" lvl="1" indent="0">
+              <a:buNone/>
+            </a:pPr>
+            <a:r>
+              <a:rPr lang="es-CO" sz="2400" dirty="0"/>
+              <a:t>	-Diagrama de Casos de Uso </a:t>
+            </a:r>
+          </a:p>
+          <a:p>
+            <a:pPr marL="457200" lvl="1" indent="0">
+              <a:buNone/>
+            </a:pPr>
+            <a:r>
+              <a:rPr lang="es-CO" sz="2400" dirty="0"/>
+              <a:t>	-Formato Casos de Uso Extendido </a:t>
+            </a:r>
+          </a:p>
+          <a:p>
+            <a:pPr marL="457200" lvl="1" indent="0">
+              <a:buNone/>
+            </a:pPr>
+            <a:endParaRPr lang="es-CO" sz="2400" dirty="0"/>
+          </a:p>
+          <a:p>
+            <a:pPr marL="457200" lvl="1" indent="0">
+              <a:buNone/>
+            </a:pPr>
+            <a:endParaRPr lang="es-CO" sz="2400" dirty="0"/>
+          </a:p>
+          <a:p>
+            <a:pPr marL="0" indent="0">
+              <a:buNone/>
+            </a:pPr>
+            <a:r>
+              <a:rPr lang="es-CO" sz="2800" dirty="0"/>
+              <a:t> </a:t>
+            </a:r>
+          </a:p>
+        </p:txBody>
+      </p:sp>
+      <p:grpSp>
+        <p:nvGrpSpPr>
+          <p:cNvPr id="5" name="Grupo 4"/>
+          <p:cNvGrpSpPr/>
+          <p:nvPr/>
+        </p:nvGrpSpPr>
+        <p:grpSpPr>
+          <a:xfrm>
+            <a:off x="345976" y="228324"/>
+            <a:ext cx="5664870" cy="1637837"/>
+            <a:chOff x="345976" y="228324"/>
+            <a:chExt cx="5664870" cy="1637837"/>
+          </a:xfrm>
+        </p:grpSpPr>
+        <p:sp>
+          <p:nvSpPr>
+            <p:cNvPr id="6" name="Título 1"/>
+            <p:cNvSpPr txBox="1">
+              <a:spLocks/>
+            </p:cNvSpPr>
+            <p:nvPr/>
+          </p:nvSpPr>
+          <p:spPr>
+            <a:xfrm>
+              <a:off x="345976" y="228324"/>
+              <a:ext cx="5664870" cy="930166"/>
+            </a:xfrm>
+            <a:prstGeom prst="rect">
+              <a:avLst/>
+            </a:prstGeom>
+          </p:spPr>
+          <p:txBody>
+            <a:bodyPr vert="horz" lIns="91440" tIns="45720" rIns="91440" bIns="45720" rtlCol="0" anchor="ctr">
+              <a:noAutofit/>
+            </a:bodyPr>
+            <a:lstStyle>
+              <a:lvl1pPr algn="ctr" defTabSz="457200" rtl="0" eaLnBrk="1" latinLnBrk="0" hangingPunct="1">
+                <a:spcBef>
+                  <a:spcPct val="0"/>
+                </a:spcBef>
+                <a:buNone/>
+                <a:defRPr sz="4400" kern="1200">
+                  <a:solidFill>
+                    <a:schemeClr val="tx1"/>
+                  </a:solidFill>
+                  <a:latin typeface="+mj-lt"/>
+                  <a:ea typeface="+mj-ea"/>
+                  <a:cs typeface="+mj-cs"/>
+                </a:defRPr>
+              </a:lvl1pPr>
+            </a:lstStyle>
+            <a:p>
+              <a:pPr algn="l" defTabSz="288000"/>
+              <a:r>
+                <a:rPr lang="es-CO" sz="5400" b="1" dirty="0"/>
+                <a:t>Componente </a:t>
+              </a:r>
+            </a:p>
+          </p:txBody>
+        </p:sp>
+        <p:sp>
+          <p:nvSpPr>
+            <p:cNvPr id="7" name="Título 1"/>
+            <p:cNvSpPr txBox="1">
+              <a:spLocks/>
+            </p:cNvSpPr>
+            <p:nvPr/>
+          </p:nvSpPr>
+          <p:spPr>
+            <a:xfrm>
+              <a:off x="3702753" y="693407"/>
+              <a:ext cx="2008236" cy="1172754"/>
+            </a:xfrm>
+            <a:prstGeom prst="rect">
+              <a:avLst/>
+            </a:prstGeom>
+          </p:spPr>
+          <p:txBody>
+            <a:bodyPr vert="horz" lIns="91440" tIns="45720" rIns="91440" bIns="45720" rtlCol="0" anchor="ctr">
+              <a:noAutofit/>
+            </a:bodyPr>
+            <a:lstStyle>
+              <a:lvl1pPr algn="ctr" defTabSz="457200" rtl="0" eaLnBrk="1" latinLnBrk="0" hangingPunct="1">
+                <a:spcBef>
+                  <a:spcPct val="0"/>
+                </a:spcBef>
+                <a:buNone/>
+                <a:defRPr sz="4400" kern="1200">
+                  <a:solidFill>
+                    <a:schemeClr val="tx1"/>
+                  </a:solidFill>
+                  <a:latin typeface="+mj-lt"/>
+                  <a:ea typeface="+mj-ea"/>
+                  <a:cs typeface="+mj-cs"/>
+                </a:defRPr>
+              </a:lvl1pPr>
+            </a:lstStyle>
+            <a:p>
+              <a:pPr algn="l" defTabSz="288000"/>
+              <a:r>
+                <a:rPr lang="es-CO" b="1" dirty="0">
+                  <a:solidFill>
+                    <a:srgbClr val="069169"/>
+                  </a:solidFill>
+                </a:rPr>
+                <a:t>Técnico</a:t>
+              </a:r>
+            </a:p>
+          </p:txBody>
+        </p:sp>
+      </p:grpSp>
+    </p:spTree>
+    <p:extLst>
+      <p:ext uri="{BB962C8B-B14F-4D97-AF65-F5344CB8AC3E}">
+        <p14:creationId xmlns:p14="http://schemas.microsoft.com/office/powerpoint/2010/main" val="4249488246"/>
+      </p:ext>
+    </p:extLst>
+  </p:cSld>
+  <p:clrMapOvr>
+    <a:masterClrMapping/>
+  </p:clrMapOvr>
+</p:sld>
+</file>
+
+<file path=ppt/slides/slide24.xml><?xml version="1.0" encoding="utf-8"?>
+<p:sld xmlns:a="http://schemas.openxmlformats.org/drawingml/2006/main" xmlns:r="http://schemas.openxmlformats.org/officeDocument/2006/relationships" xmlns:p="http://schemas.openxmlformats.org/presentationml/2006/main">
+  <p:cSld>
+    <p:spTree>
+      <p:nvGrpSpPr>
+        <p:cNvPr id="1" name=""/>
+        <p:cNvGrpSpPr/>
+        <p:nvPr/>
+      </p:nvGrpSpPr>
+      <p:grpSpPr>
+        <a:xfrm>
+          <a:off x="0" y="0"/>
+          <a:ext cx="0" cy="0"/>
+          <a:chOff x="0" y="0"/>
+          <a:chExt cx="0" cy="0"/>
+        </a:xfrm>
+      </p:grpSpPr>
+      <p:sp>
+        <p:nvSpPr>
+          <p:cNvPr id="2" name="Rectángulo 1"/>
+          <p:cNvSpPr/>
+          <p:nvPr/>
+        </p:nvSpPr>
+        <p:spPr>
+          <a:xfrm>
+            <a:off x="364103" y="373257"/>
+            <a:ext cx="3191838" cy="461665"/>
+          </a:xfrm>
+          <a:prstGeom prst="rect">
+            <a:avLst/>
+          </a:prstGeom>
+        </p:spPr>
+        <p:txBody>
+          <a:bodyPr wrap="square">
+            <a:spAutoFit/>
+          </a:bodyPr>
+          <a:lstStyle/>
+          <a:p>
+            <a:pPr algn="ctr"/>
+            <a:r>
+              <a:rPr lang="es-MX" sz="2400" dirty="0"/>
+              <a:t>Instructor </a:t>
+            </a:r>
+            <a:r>
+              <a:rPr lang="es-MX" sz="2400" b="1" dirty="0">
+                <a:solidFill>
+                  <a:srgbClr val="E2ECFD"/>
+                </a:solidFill>
+              </a:rPr>
+              <a:t>Leonardo…</a:t>
+            </a:r>
+            <a:endParaRPr lang="es-CO" sz="2400" dirty="0">
+              <a:solidFill>
+                <a:srgbClr val="E2ECFD"/>
+              </a:solidFill>
+            </a:endParaRPr>
+          </a:p>
+        </p:txBody>
+      </p:sp>
+    </p:spTree>
+    <p:extLst>
+      <p:ext uri="{BB962C8B-B14F-4D97-AF65-F5344CB8AC3E}">
+        <p14:creationId xmlns:p14="http://schemas.microsoft.com/office/powerpoint/2010/main" val="1636081149"/>
       </p:ext>
     </p:extLst>
   </p:cSld>
@@ -13673,6 +15053,543 @@
 </file>
 
 <file path=ppt/slides/slide5.xml><?xml version="1.0" encoding="utf-8"?>
+<p:sld xmlns:a="http://schemas.openxmlformats.org/drawingml/2006/main" xmlns:r="http://schemas.openxmlformats.org/officeDocument/2006/relationships" xmlns:p="http://schemas.openxmlformats.org/presentationml/2006/main">
+  <p:cSld>
+    <p:spTree>
+      <p:nvGrpSpPr>
+        <p:cNvPr id="1" name=""/>
+        <p:cNvGrpSpPr/>
+        <p:nvPr/>
+      </p:nvGrpSpPr>
+      <p:grpSpPr>
+        <a:xfrm>
+          <a:off x="0" y="0"/>
+          <a:ext cx="0" cy="0"/>
+          <a:chOff x="0" y="0"/>
+          <a:chExt cx="0" cy="0"/>
+        </a:xfrm>
+      </p:grpSpPr>
+      <p:sp>
+        <p:nvSpPr>
+          <p:cNvPr id="3" name="CuadroTexto 2"/>
+          <p:cNvSpPr txBox="1"/>
+          <p:nvPr/>
+        </p:nvSpPr>
+        <p:spPr>
+          <a:xfrm>
+            <a:off x="314793" y="449705"/>
+            <a:ext cx="7540053" cy="5878532"/>
+          </a:xfrm>
+          <a:prstGeom prst="rect">
+            <a:avLst/>
+          </a:prstGeom>
+          <a:noFill/>
+        </p:spPr>
+        <p:txBody>
+          <a:bodyPr wrap="square" rtlCol="0">
+            <a:spAutoFit/>
+          </a:bodyPr>
+          <a:lstStyle/>
+          <a:p>
+            <a:pPr algn="ctr"/>
+            <a:r>
+              <a:rPr lang="es-CO" sz="4000" b="1" dirty="0">
+                <a:latin typeface="Times New Roman" panose="02020603050405020304" pitchFamily="18" charset="0"/>
+                <a:cs typeface="Times New Roman" panose="02020603050405020304" pitchFamily="18" charset="0"/>
+              </a:rPr>
+              <a:t>Qr Lean</a:t>
+            </a:r>
+          </a:p>
+          <a:p>
+            <a:pPr algn="just"/>
+            <a:endParaRPr lang="es-CO" sz="2400" b="1" dirty="0"/>
+          </a:p>
+          <a:p>
+            <a:pPr algn="just"/>
+            <a:endParaRPr lang="es-CO" sz="2400" b="1" dirty="0"/>
+          </a:p>
+          <a:p>
+            <a:pPr marL="285750" indent="-285750" algn="just">
+              <a:buFont typeface="Wingdings" panose="05000000000000000000" pitchFamily="2" charset="2"/>
+              <a:buChar char="q"/>
+            </a:pPr>
+            <a:r>
+              <a:rPr lang="es-CO" b="1" dirty="0">
+                <a:hlinkClick r:id="rId2" action="ppaction://hlinkfile"/>
+              </a:rPr>
+              <a:t>Objetivo</a:t>
+            </a:r>
+            <a:r>
+              <a:rPr lang="es-CO" b="1" dirty="0"/>
+              <a:t> general: </a:t>
+            </a:r>
+          </a:p>
+          <a:p>
+            <a:pPr algn="just"/>
+            <a:r>
+              <a:rPr lang="es-ES" dirty="0"/>
+              <a:t>Generar una plataforma fácil de usar con el fin de que cualquier persona pueda usarla, mediante una interfaz fácil e intuitiva y tutoriales virtuales como videos o </a:t>
+            </a:r>
+            <a:r>
+              <a:rPr lang="es-ES" dirty="0" err="1"/>
+              <a:t>tour’s</a:t>
+            </a:r>
+            <a:r>
+              <a:rPr lang="es-ES" dirty="0"/>
+              <a:t> de explicación de la interfaz .</a:t>
+            </a:r>
+          </a:p>
+          <a:p>
+            <a:pPr algn="just"/>
+            <a:endParaRPr lang="es-ES" dirty="0"/>
+          </a:p>
+          <a:p>
+            <a:pPr marL="285750" indent="-285750" algn="just">
+              <a:buFont typeface="Wingdings" panose="05000000000000000000" pitchFamily="2" charset="2"/>
+              <a:buChar char="q"/>
+            </a:pPr>
+            <a:r>
+              <a:rPr lang="es-ES" b="1" dirty="0"/>
+              <a:t>Objetivos específicos:</a:t>
+            </a:r>
+          </a:p>
+          <a:p>
+            <a:pPr algn="just"/>
+            <a:r>
+              <a:rPr lang="es-ES" dirty="0"/>
+              <a:t> -Como Conformidad, llegar a generar un impacto en instituciones educativas</a:t>
+            </a:r>
+            <a:endParaRPr lang="en-US" dirty="0"/>
+          </a:p>
+          <a:p>
+            <a:pPr algn="just"/>
+            <a:r>
+              <a:rPr lang="es-CO" dirty="0"/>
+              <a:t> -</a:t>
+            </a:r>
+            <a:r>
+              <a:rPr lang="es-ES" dirty="0"/>
+              <a:t>Como plataforma, llegar a nivel nacional, siendo una de las más reconocidas y usadas por su calidad</a:t>
+            </a:r>
+            <a:endParaRPr lang="en-US" dirty="0"/>
+          </a:p>
+          <a:p>
+            <a:pPr algn="just"/>
+            <a:r>
+              <a:rPr lang="es-CO" dirty="0"/>
+              <a:t>-</a:t>
+            </a:r>
+            <a:r>
+              <a:rPr lang="es-ES" dirty="0"/>
+              <a:t>Tener en cuenta la opinión del público, pues es para ellos que existimos y      nuestro deber como servicio, es estar al tanto de ellos y verificar que todo sea funcional</a:t>
+            </a:r>
+            <a:endParaRPr lang="en-US" dirty="0"/>
+          </a:p>
+          <a:p>
+            <a:pPr lvl="0" algn="just"/>
+            <a:r>
+              <a:rPr lang="es-CO" dirty="0"/>
+              <a:t>-</a:t>
+            </a:r>
+            <a:r>
+              <a:rPr lang="es-ES" dirty="0"/>
+              <a:t>Establecer confianza (USUARIO-SERVIDOR).</a:t>
+            </a:r>
+            <a:endParaRPr lang="en-US" dirty="0"/>
+          </a:p>
+          <a:p>
+            <a:pPr lvl="0" algn="just"/>
+            <a:r>
+              <a:rPr lang="es-ES" dirty="0"/>
+              <a:t>-Ayuda del manejo de la plataforma.</a:t>
+            </a:r>
+            <a:endParaRPr lang="en-US" dirty="0"/>
+          </a:p>
+          <a:p>
+            <a:pPr lvl="0" algn="just"/>
+            <a:r>
+              <a:rPr lang="es-ES" dirty="0"/>
+              <a:t>-Brindar el mejor servicio posible</a:t>
+            </a:r>
+            <a:endParaRPr lang="en-US" dirty="0"/>
+          </a:p>
+          <a:p>
+            <a:endParaRPr lang="en-US" dirty="0"/>
+          </a:p>
+        </p:txBody>
+      </p:sp>
+      <p:pic>
+        <p:nvPicPr>
+          <p:cNvPr id="4" name="Imagen 3"/>
+          <p:cNvPicPr>
+            <a:picLocks noChangeAspect="1"/>
+          </p:cNvPicPr>
+          <p:nvPr/>
+        </p:nvPicPr>
+        <p:blipFill>
+          <a:blip r:embed="rId3"/>
+          <a:stretch>
+            <a:fillRect/>
+          </a:stretch>
+        </p:blipFill>
+        <p:spPr>
+          <a:xfrm>
+            <a:off x="5722374" y="0"/>
+            <a:ext cx="2132472" cy="2132472"/>
+          </a:xfrm>
+          <a:prstGeom prst="rect">
+            <a:avLst/>
+          </a:prstGeom>
+        </p:spPr>
+      </p:pic>
+    </p:spTree>
+    <p:extLst>
+      <p:ext uri="{BB962C8B-B14F-4D97-AF65-F5344CB8AC3E}">
+        <p14:creationId xmlns:p14="http://schemas.microsoft.com/office/powerpoint/2010/main" val="2146676109"/>
+      </p:ext>
+    </p:extLst>
+  </p:cSld>
+  <p:clrMapOvr>
+    <a:masterClrMapping/>
+  </p:clrMapOvr>
+</p:sld>
+</file>
+
+<file path=ppt/slides/slide6.xml><?xml version="1.0" encoding="utf-8"?>
+<p:sld xmlns:a="http://schemas.openxmlformats.org/drawingml/2006/main" xmlns:r="http://schemas.openxmlformats.org/officeDocument/2006/relationships" xmlns:p="http://schemas.openxmlformats.org/presentationml/2006/main">
+  <p:cSld>
+    <p:spTree>
+      <p:nvGrpSpPr>
+        <p:cNvPr id="1" name=""/>
+        <p:cNvGrpSpPr/>
+        <p:nvPr/>
+      </p:nvGrpSpPr>
+      <p:grpSpPr>
+        <a:xfrm>
+          <a:off x="0" y="0"/>
+          <a:ext cx="0" cy="0"/>
+          <a:chOff x="0" y="0"/>
+          <a:chExt cx="0" cy="0"/>
+        </a:xfrm>
+      </p:grpSpPr>
+      <p:sp>
+        <p:nvSpPr>
+          <p:cNvPr id="2" name="Rectángulo 1"/>
+          <p:cNvSpPr/>
+          <p:nvPr/>
+        </p:nvSpPr>
+        <p:spPr>
+          <a:xfrm>
+            <a:off x="634181" y="486697"/>
+            <a:ext cx="6872747" cy="4493538"/>
+          </a:xfrm>
+          <a:prstGeom prst="rect">
+            <a:avLst/>
+          </a:prstGeom>
+        </p:spPr>
+        <p:txBody>
+          <a:bodyPr wrap="square">
+            <a:spAutoFit/>
+          </a:bodyPr>
+          <a:lstStyle/>
+          <a:p>
+            <a:pPr algn="just">
+              <a:buFont typeface="Wingdings" pitchFamily="2" charset="2"/>
+              <a:buChar char="q"/>
+            </a:pPr>
+            <a:r>
+              <a:rPr lang="es-CO" sz="2400" dirty="0"/>
+              <a:t>Planteamiento del problema:  </a:t>
+            </a:r>
+          </a:p>
+          <a:p>
+            <a:pPr algn="just"/>
+            <a:r>
+              <a:rPr lang="es-CO" sz="2400" dirty="0"/>
+              <a:t>  </a:t>
+            </a:r>
+          </a:p>
+          <a:p>
+            <a:pPr algn="just"/>
+            <a:r>
+              <a:rPr lang="es-ES" dirty="0">
+                <a:hlinkClick r:id="rId2" action="ppaction://hlinkfile"/>
+              </a:rPr>
+              <a:t>Falta de explicación de uso del programa o plataforma.</a:t>
+            </a:r>
+            <a:endParaRPr lang="es-ES" dirty="0"/>
+          </a:p>
+          <a:p>
+            <a:pPr algn="just"/>
+            <a:endParaRPr lang="es-ES" sz="2400" dirty="0"/>
+          </a:p>
+          <a:p>
+            <a:pPr algn="just"/>
+            <a:endParaRPr lang="es-ES" sz="2400" dirty="0"/>
+          </a:p>
+          <a:p>
+            <a:pPr algn="just"/>
+            <a:endParaRPr lang="es-CO" sz="2400" dirty="0"/>
+          </a:p>
+          <a:p>
+            <a:pPr algn="just">
+              <a:buFont typeface="Wingdings" pitchFamily="2" charset="2"/>
+              <a:buChar char="q"/>
+            </a:pPr>
+            <a:r>
+              <a:rPr lang="es-CO" sz="2400" dirty="0"/>
+              <a:t>Alcance del proyecto:</a:t>
+            </a:r>
+          </a:p>
+          <a:p>
+            <a:pPr algn="just"/>
+            <a:endParaRPr lang="es-CO" sz="2400" dirty="0"/>
+          </a:p>
+          <a:p>
+            <a:pPr algn="just"/>
+            <a:r>
+              <a:rPr lang="es-CO" sz="2000" dirty="0"/>
+              <a:t>El método de </a:t>
+            </a:r>
+            <a:r>
+              <a:rPr lang="es-CO" sz="2000" dirty="0" err="1"/>
+              <a:t>qr</a:t>
+            </a:r>
+            <a:r>
+              <a:rPr lang="es-CO" sz="2000" dirty="0"/>
+              <a:t> lean es un asistente de asistencia web.</a:t>
+            </a:r>
+          </a:p>
+          <a:p>
+            <a:pPr algn="just"/>
+            <a:r>
+              <a:rPr lang="es-CO" sz="2000" dirty="0"/>
+              <a:t>Este sistema o plataforma consiste en llenar las asistencias por medio de el escaneo de un sistema </a:t>
+            </a:r>
+            <a:r>
+              <a:rPr lang="es-CO" sz="2000" dirty="0" err="1"/>
+              <a:t>qr</a:t>
+            </a:r>
+            <a:r>
+              <a:rPr lang="es-CO" sz="2000" dirty="0"/>
+              <a:t> el cual se podrá descargar cuando el aprendiz ingrese a la plataforma y así poder agilizar el llamado de lista en algunas aulas. </a:t>
+            </a:r>
+            <a:endParaRPr lang="es-CO" dirty="0"/>
+          </a:p>
+        </p:txBody>
+      </p:sp>
+      <p:pic>
+        <p:nvPicPr>
+          <p:cNvPr id="3" name="Imagen 2"/>
+          <p:cNvPicPr>
+            <a:picLocks noChangeAspect="1"/>
+          </p:cNvPicPr>
+          <p:nvPr/>
+        </p:nvPicPr>
+        <p:blipFill>
+          <a:blip r:embed="rId3"/>
+          <a:stretch>
+            <a:fillRect/>
+          </a:stretch>
+        </p:blipFill>
+        <p:spPr>
+          <a:xfrm>
+            <a:off x="6061587" y="0"/>
+            <a:ext cx="1810058" cy="1810058"/>
+          </a:xfrm>
+          <a:prstGeom prst="rect">
+            <a:avLst/>
+          </a:prstGeom>
+        </p:spPr>
+      </p:pic>
+    </p:spTree>
+    <p:extLst>
+      <p:ext uri="{BB962C8B-B14F-4D97-AF65-F5344CB8AC3E}">
+        <p14:creationId xmlns:p14="http://schemas.microsoft.com/office/powerpoint/2010/main" val="2783266934"/>
+      </p:ext>
+    </p:extLst>
+  </p:cSld>
+  <p:clrMapOvr>
+    <a:masterClrMapping/>
+  </p:clrMapOvr>
+</p:sld>
+</file>
+
+<file path=ppt/slides/slide7.xml><?xml version="1.0" encoding="utf-8"?>
+<p:sld xmlns:a="http://schemas.openxmlformats.org/drawingml/2006/main" xmlns:r="http://schemas.openxmlformats.org/officeDocument/2006/relationships" xmlns:p="http://schemas.openxmlformats.org/presentationml/2006/main">
+  <p:cSld>
+    <p:spTree>
+      <p:nvGrpSpPr>
+        <p:cNvPr id="1" name=""/>
+        <p:cNvGrpSpPr/>
+        <p:nvPr/>
+      </p:nvGrpSpPr>
+      <p:grpSpPr>
+        <a:xfrm>
+          <a:off x="0" y="0"/>
+          <a:ext cx="0" cy="0"/>
+          <a:chOff x="0" y="0"/>
+          <a:chExt cx="0" cy="0"/>
+        </a:xfrm>
+      </p:grpSpPr>
+      <p:sp>
+        <p:nvSpPr>
+          <p:cNvPr id="3" name="Rectángulo 2"/>
+          <p:cNvSpPr/>
+          <p:nvPr/>
+        </p:nvSpPr>
+        <p:spPr>
+          <a:xfrm>
+            <a:off x="471949" y="1213009"/>
+            <a:ext cx="7374194" cy="4708981"/>
+          </a:xfrm>
+          <a:prstGeom prst="rect">
+            <a:avLst/>
+          </a:prstGeom>
+        </p:spPr>
+        <p:txBody>
+          <a:bodyPr wrap="square">
+            <a:spAutoFit/>
+          </a:bodyPr>
+          <a:lstStyle/>
+          <a:p>
+            <a:endParaRPr lang="es-CO" sz="2400" dirty="0"/>
+          </a:p>
+          <a:p>
+            <a:pPr>
+              <a:buFont typeface="Wingdings" pitchFamily="2" charset="2"/>
+              <a:buChar char="q"/>
+            </a:pPr>
+            <a:r>
+              <a:rPr lang="es-CO" sz="2400" dirty="0"/>
+              <a:t>Justificación </a:t>
+            </a:r>
+          </a:p>
+          <a:p>
+            <a:r>
+              <a:rPr lang="es-CO" dirty="0"/>
+              <a:t>Que, como, donde, cuando, porque y costo?</a:t>
+            </a:r>
+          </a:p>
+          <a:p>
+            <a:endParaRPr lang="es-CO" dirty="0"/>
+          </a:p>
+          <a:p>
+            <a:pPr>
+              <a:buFont typeface="Wingdings" pitchFamily="2" charset="2"/>
+              <a:buChar char="q"/>
+            </a:pPr>
+            <a:r>
+              <a:rPr lang="es-CO" dirty="0"/>
+              <a:t> Un proyecto sobre la asistencia virtual que se maneje por medio de código </a:t>
+            </a:r>
+            <a:r>
+              <a:rPr lang="es-CO" dirty="0" err="1"/>
+              <a:t>qr</a:t>
+            </a:r>
+            <a:r>
+              <a:rPr lang="es-CO" dirty="0"/>
+              <a:t>.</a:t>
+            </a:r>
+          </a:p>
+          <a:p>
+            <a:pPr>
+              <a:buFont typeface="Wingdings" pitchFamily="2" charset="2"/>
+              <a:buChar char="q"/>
+            </a:pPr>
+            <a:r>
+              <a:rPr lang="es-CO" dirty="0"/>
+              <a:t>Se van a realizar por medio de los parámetros establecidos por el instructor..</a:t>
+            </a:r>
+          </a:p>
+          <a:p>
+            <a:pPr>
+              <a:buFont typeface="Wingdings" pitchFamily="2" charset="2"/>
+              <a:buChar char="q"/>
+            </a:pPr>
+            <a:r>
+              <a:rPr lang="es-CO" dirty="0"/>
+              <a:t>Esta será montada en la plataforma virtual.</a:t>
+            </a:r>
+          </a:p>
+          <a:p>
+            <a:pPr>
+              <a:buFont typeface="Wingdings" pitchFamily="2" charset="2"/>
+              <a:buChar char="q"/>
+            </a:pPr>
+            <a:r>
+              <a:rPr lang="es-CO" dirty="0"/>
+              <a:t>Ya se esta realizando el proceso de análisis para la creación de la plataforma.</a:t>
+            </a:r>
+          </a:p>
+          <a:p>
+            <a:pPr>
+              <a:buFont typeface="Wingdings" pitchFamily="2" charset="2"/>
+              <a:buChar char="q"/>
+            </a:pPr>
+            <a:r>
+              <a:rPr lang="es-CO" dirty="0"/>
+              <a:t>Por que es un proyecto que nos ayudara a entender mas los temas de este curso además de aprender por medio de la practica.</a:t>
+            </a:r>
+          </a:p>
+          <a:p>
+            <a:pPr>
+              <a:buFont typeface="Wingdings" pitchFamily="2" charset="2"/>
+              <a:buChar char="q"/>
+            </a:pPr>
+            <a:r>
+              <a:rPr lang="es-CO" dirty="0"/>
+              <a:t>Por el momento no se va a montar un costo ya que esta pensada como una plataforma académica y no se ha terminado </a:t>
+            </a:r>
+            <a:r>
+              <a:rPr lang="es-CO" dirty="0" err="1"/>
+              <a:t>asi</a:t>
+            </a:r>
+            <a:r>
+              <a:rPr lang="es-CO" dirty="0"/>
+              <a:t> que no se puede montar un costo.</a:t>
+            </a:r>
+          </a:p>
+        </p:txBody>
+      </p:sp>
+      <p:pic>
+        <p:nvPicPr>
+          <p:cNvPr id="4" name="Imagen 3"/>
+          <p:cNvPicPr>
+            <a:picLocks noChangeAspect="1"/>
+          </p:cNvPicPr>
+          <p:nvPr/>
+        </p:nvPicPr>
+        <p:blipFill>
+          <a:blip r:embed="rId2"/>
+          <a:stretch>
+            <a:fillRect/>
+          </a:stretch>
+        </p:blipFill>
+        <p:spPr>
+          <a:xfrm>
+            <a:off x="6035473" y="0"/>
+            <a:ext cx="1810669" cy="1810669"/>
+          </a:xfrm>
+          <a:prstGeom prst="rect">
+            <a:avLst/>
+          </a:prstGeom>
+        </p:spPr>
+      </p:pic>
+    </p:spTree>
+    <p:extLst>
+      <p:ext uri="{BB962C8B-B14F-4D97-AF65-F5344CB8AC3E}">
+        <p14:creationId xmlns:p14="http://schemas.microsoft.com/office/powerpoint/2010/main" val="1674698548"/>
+      </p:ext>
+    </p:extLst>
+  </p:cSld>
+  <p:clrMapOvr>
+    <a:masterClrMapping/>
+  </p:clrMapOvr>
+</p:sld>
+</file>
+
+<file path=ppt/slides/slide8.xml><?xml version="1.0" encoding="utf-8"?>
 <p:sld xmlns:a="http://schemas.openxmlformats.org/drawingml/2006/main" xmlns:r="http://schemas.openxmlformats.org/officeDocument/2006/relationships" xmlns:p="http://schemas.openxmlformats.org/presentationml/2006/main">
   <p:cSld>
     <p:spTree>
@@ -14011,6 +15928,30 @@
           </a:p>
         </p:txBody>
       </p:sp>
+      <p:pic>
+        <p:nvPicPr>
+          <p:cNvPr id="6" name="Imagen 5"/>
+          <p:cNvPicPr>
+            <a:picLocks noChangeAspect="1"/>
+          </p:cNvPicPr>
+          <p:nvPr/>
+        </p:nvPicPr>
+        <p:blipFill>
+          <a:blip r:embed="rId3"/>
+          <a:stretch>
+            <a:fillRect/>
+          </a:stretch>
+        </p:blipFill>
+        <p:spPr>
+          <a:xfrm>
+            <a:off x="6010846" y="0"/>
+            <a:ext cx="1810669" cy="1810669"/>
+          </a:xfrm>
+          <a:prstGeom prst="rect">
+            <a:avLst/>
+          </a:prstGeom>
+        </p:spPr>
+      </p:pic>
     </p:spTree>
     <p:extLst>
       <p:ext uri="{BB962C8B-B14F-4D97-AF65-F5344CB8AC3E}">
@@ -14024,7 +15965,7 @@
 </p:sld>
 </file>
 
-<file path=ppt/slides/slide6.xml><?xml version="1.0" encoding="utf-8"?>
+<file path=ppt/slides/slide9.xml><?xml version="1.0" encoding="utf-8"?>
 <p:sld xmlns:a="http://schemas.openxmlformats.org/drawingml/2006/main" xmlns:r="http://schemas.openxmlformats.org/officeDocument/2006/relationships" xmlns:p="http://schemas.openxmlformats.org/presentationml/2006/main">
   <p:cSld>
     <p:spTree>
@@ -14043,443 +15984,48 @@
       </p:grpSpPr>
       <p:sp>
         <p:nvSpPr>
-          <p:cNvPr id="4" name="Marcador de contenido 2"/>
-          <p:cNvSpPr txBox="1">
-            <a:spLocks/>
-          </p:cNvSpPr>
+          <p:cNvPr id="2" name="TextBox 1">
+            <a:extLst>
+              <a:ext uri="{FF2B5EF4-FFF2-40B4-BE49-F238E27FC236}">
+                <a16:creationId xmlns:a16="http://schemas.microsoft.com/office/drawing/2014/main" id="{D38D614D-0423-43CE-BC02-53F5FC446C33}"/>
+              </a:ext>
+            </a:extLst>
+          </p:cNvPr>
+          <p:cNvSpPr txBox="1"/>
           <p:nvPr/>
         </p:nvSpPr>
         <p:spPr>
           <a:xfrm>
-            <a:off x="426569" y="2431358"/>
-            <a:ext cx="7486336" cy="3935699"/>
+            <a:off x="1302589" y="1949571"/>
+            <a:ext cx="7444596" cy="1938992"/>
           </a:xfrm>
           <a:prstGeom prst="rect">
             <a:avLst/>
           </a:prstGeom>
+          <a:noFill/>
         </p:spPr>
         <p:txBody>
-          <a:bodyPr vert="horz" lIns="91440" tIns="45720" rIns="91440" bIns="45720" rtlCol="0">
-            <a:noAutofit/>
-          </a:bodyPr>
-          <a:lstStyle>
-            <a:lvl1pPr marL="342900" indent="-342900" algn="l" defTabSz="457200" rtl="0" eaLnBrk="1" latinLnBrk="0" hangingPunct="1">
-              <a:spcBef>
-                <a:spcPct val="20000"/>
-              </a:spcBef>
-              <a:buFont typeface="Arial"/>
-              <a:buChar char="•"/>
-              <a:defRPr sz="3200" kern="1200">
-                <a:solidFill>
-                  <a:schemeClr val="tx1"/>
-                </a:solidFill>
-                <a:latin typeface="+mn-lt"/>
-                <a:ea typeface="+mn-ea"/>
-                <a:cs typeface="+mn-cs"/>
-              </a:defRPr>
-            </a:lvl1pPr>
-            <a:lvl2pPr marL="742950" indent="-285750" algn="l" defTabSz="457200" rtl="0" eaLnBrk="1" latinLnBrk="0" hangingPunct="1">
-              <a:spcBef>
-                <a:spcPct val="20000"/>
-              </a:spcBef>
-              <a:buFont typeface="Arial"/>
-              <a:buChar char="–"/>
-              <a:defRPr sz="2800" kern="1200">
-                <a:solidFill>
-                  <a:schemeClr val="tx1"/>
-                </a:solidFill>
-                <a:latin typeface="+mn-lt"/>
-                <a:ea typeface="+mn-ea"/>
-                <a:cs typeface="+mn-cs"/>
-              </a:defRPr>
-            </a:lvl2pPr>
-            <a:lvl3pPr marL="1143000" indent="-228600" algn="l" defTabSz="457200" rtl="0" eaLnBrk="1" latinLnBrk="0" hangingPunct="1">
-              <a:spcBef>
-                <a:spcPct val="20000"/>
-              </a:spcBef>
-              <a:buFont typeface="Arial"/>
-              <a:buChar char="•"/>
-              <a:defRPr sz="2400" kern="1200">
-                <a:solidFill>
-                  <a:schemeClr val="tx1"/>
-                </a:solidFill>
-                <a:latin typeface="+mn-lt"/>
-                <a:ea typeface="+mn-ea"/>
-                <a:cs typeface="+mn-cs"/>
-              </a:defRPr>
-            </a:lvl3pPr>
-            <a:lvl4pPr marL="1600200" indent="-228600" algn="l" defTabSz="457200" rtl="0" eaLnBrk="1" latinLnBrk="0" hangingPunct="1">
-              <a:spcBef>
-                <a:spcPct val="20000"/>
-              </a:spcBef>
-              <a:buFont typeface="Arial"/>
-              <a:buChar char="–"/>
-              <a:defRPr sz="2000" kern="1200">
-                <a:solidFill>
-                  <a:schemeClr val="tx1"/>
-                </a:solidFill>
-                <a:latin typeface="+mn-lt"/>
-                <a:ea typeface="+mn-ea"/>
-                <a:cs typeface="+mn-cs"/>
-              </a:defRPr>
-            </a:lvl4pPr>
-            <a:lvl5pPr marL="2057400" indent="-228600" algn="l" defTabSz="457200" rtl="0" eaLnBrk="1" latinLnBrk="0" hangingPunct="1">
-              <a:spcBef>
-                <a:spcPct val="20000"/>
-              </a:spcBef>
-              <a:buFont typeface="Arial"/>
-              <a:buChar char="»"/>
-              <a:defRPr sz="2000" kern="1200">
-                <a:solidFill>
-                  <a:schemeClr val="tx1"/>
-                </a:solidFill>
-                <a:latin typeface="+mn-lt"/>
-                <a:ea typeface="+mn-ea"/>
-                <a:cs typeface="+mn-cs"/>
-              </a:defRPr>
-            </a:lvl5pPr>
-            <a:lvl6pPr marL="2514600" indent="-228600" algn="l" defTabSz="457200" rtl="0" eaLnBrk="1" latinLnBrk="0" hangingPunct="1">
-              <a:spcBef>
-                <a:spcPct val="20000"/>
-              </a:spcBef>
-              <a:buFont typeface="Arial"/>
-              <a:buChar char="•"/>
-              <a:defRPr sz="2000" kern="1200">
-                <a:solidFill>
-                  <a:schemeClr val="tx1"/>
-                </a:solidFill>
-                <a:latin typeface="+mn-lt"/>
-                <a:ea typeface="+mn-ea"/>
-                <a:cs typeface="+mn-cs"/>
-              </a:defRPr>
-            </a:lvl6pPr>
-            <a:lvl7pPr marL="2971800" indent="-228600" algn="l" defTabSz="457200" rtl="0" eaLnBrk="1" latinLnBrk="0" hangingPunct="1">
-              <a:spcBef>
-                <a:spcPct val="20000"/>
-              </a:spcBef>
-              <a:buFont typeface="Arial"/>
-              <a:buChar char="•"/>
-              <a:defRPr sz="2000" kern="1200">
-                <a:solidFill>
-                  <a:schemeClr val="tx1"/>
-                </a:solidFill>
-                <a:latin typeface="+mn-lt"/>
-                <a:ea typeface="+mn-ea"/>
-                <a:cs typeface="+mn-cs"/>
-              </a:defRPr>
-            </a:lvl7pPr>
-            <a:lvl8pPr marL="3429000" indent="-228600" algn="l" defTabSz="457200" rtl="0" eaLnBrk="1" latinLnBrk="0" hangingPunct="1">
-              <a:spcBef>
-                <a:spcPct val="20000"/>
-              </a:spcBef>
-              <a:buFont typeface="Arial"/>
-              <a:buChar char="•"/>
-              <a:defRPr sz="2000" kern="1200">
-                <a:solidFill>
-                  <a:schemeClr val="tx1"/>
-                </a:solidFill>
-                <a:latin typeface="+mn-lt"/>
-                <a:ea typeface="+mn-ea"/>
-                <a:cs typeface="+mn-cs"/>
-              </a:defRPr>
-            </a:lvl8pPr>
-            <a:lvl9pPr marL="3886200" indent="-228600" algn="l" defTabSz="457200" rtl="0" eaLnBrk="1" latinLnBrk="0" hangingPunct="1">
-              <a:spcBef>
-                <a:spcPct val="20000"/>
-              </a:spcBef>
-              <a:buFont typeface="Arial"/>
-              <a:buChar char="•"/>
-              <a:defRPr sz="2000" kern="1200">
-                <a:solidFill>
-                  <a:schemeClr val="tx1"/>
-                </a:solidFill>
-                <a:latin typeface="+mn-lt"/>
-                <a:ea typeface="+mn-ea"/>
-                <a:cs typeface="+mn-cs"/>
-              </a:defRPr>
-            </a:lvl9pPr>
-          </a:lstStyle>
-          <a:p>
-            <a:pPr>
-              <a:buFont typeface="Wingdings" pitchFamily="2" charset="2"/>
-              <a:buChar char="q"/>
-            </a:pPr>
-            <a:r>
-              <a:rPr lang="es-CO" sz="2800" dirty="0"/>
-              <a:t>Informe de Requerimientos(Estándar IEEE830)</a:t>
-            </a:r>
-          </a:p>
-          <a:p>
-            <a:pPr marL="457200" lvl="1" indent="0">
-              <a:buNone/>
-            </a:pPr>
-            <a:r>
-              <a:rPr lang="es-CO" sz="2400" dirty="0"/>
-              <a:t>-Requerimientos funcionales </a:t>
-            </a:r>
-          </a:p>
-          <a:p>
-            <a:pPr marL="457200" lvl="1" indent="0">
-              <a:buNone/>
-            </a:pPr>
-            <a:r>
-              <a:rPr lang="es-CO" sz="2400" dirty="0"/>
-              <a:t>-Requerimientos No funcionales </a:t>
-            </a:r>
-          </a:p>
-          <a:p>
-            <a:pPr marL="457200" lvl="1" indent="0">
-              <a:buNone/>
-            </a:pPr>
-            <a:r>
-              <a:rPr lang="es-CO" sz="2400" dirty="0"/>
-              <a:t>IEEE 1362 y 1233</a:t>
-            </a:r>
-          </a:p>
-          <a:p>
-            <a:pPr marL="457200" lvl="1" indent="0">
-              <a:buNone/>
-            </a:pPr>
-            <a:endParaRPr lang="es-CO" sz="2400" dirty="0"/>
-          </a:p>
-          <a:p>
-            <a:pPr lvl="1">
-              <a:buFont typeface="Wingdings" pitchFamily="2" charset="2"/>
-              <a:buChar char="q"/>
-            </a:pPr>
-            <a:r>
-              <a:rPr lang="es-CO" sz="2400" dirty="0"/>
-              <a:t>Casos de Uso</a:t>
-            </a:r>
-          </a:p>
-          <a:p>
-            <a:pPr marL="457200" lvl="1" indent="0">
-              <a:buNone/>
-            </a:pPr>
-            <a:r>
-              <a:rPr lang="es-CO" sz="2400" dirty="0"/>
-              <a:t>	-Diagrama de Casos de Uso </a:t>
-            </a:r>
-          </a:p>
-          <a:p>
-            <a:pPr marL="457200" lvl="1" indent="0">
-              <a:buNone/>
-            </a:pPr>
-            <a:r>
-              <a:rPr lang="es-CO" sz="2400" dirty="0"/>
-              <a:t>	-Formato Casos de Uso Extendido </a:t>
-            </a:r>
-          </a:p>
-          <a:p>
-            <a:pPr marL="457200" lvl="1" indent="0">
-              <a:buNone/>
-            </a:pPr>
-            <a:endParaRPr lang="es-CO" sz="2400" dirty="0"/>
-          </a:p>
-          <a:p>
-            <a:pPr marL="457200" lvl="1" indent="0">
-              <a:buNone/>
-            </a:pPr>
-            <a:endParaRPr lang="es-CO" sz="2400" dirty="0"/>
-          </a:p>
-          <a:p>
-            <a:pPr marL="0" indent="0">
-              <a:buNone/>
-            </a:pPr>
-            <a:r>
-              <a:rPr lang="es-CO" sz="2800" dirty="0"/>
-              <a:t> </a:t>
-            </a:r>
-          </a:p>
-        </p:txBody>
-      </p:sp>
-      <p:grpSp>
-        <p:nvGrpSpPr>
-          <p:cNvPr id="5" name="Grupo 4"/>
-          <p:cNvGrpSpPr/>
-          <p:nvPr/>
-        </p:nvGrpSpPr>
-        <p:grpSpPr>
-          <a:xfrm>
-            <a:off x="345976" y="228324"/>
-            <a:ext cx="5664870" cy="1637837"/>
-            <a:chOff x="345976" y="228324"/>
-            <a:chExt cx="5664870" cy="1637837"/>
-          </a:xfrm>
-        </p:grpSpPr>
-        <p:sp>
-          <p:nvSpPr>
-            <p:cNvPr id="6" name="Título 1"/>
-            <p:cNvSpPr txBox="1">
-              <a:spLocks/>
-            </p:cNvSpPr>
-            <p:nvPr/>
-          </p:nvSpPr>
-          <p:spPr>
-            <a:xfrm>
-              <a:off x="345976" y="228324"/>
-              <a:ext cx="5664870" cy="930166"/>
-            </a:xfrm>
-            <a:prstGeom prst="rect">
+          <a:bodyPr rot="0" spcFirstLastPara="0" vertOverflow="overflow" horzOverflow="overflow" vert="horz" wrap="square" lIns="91440" tIns="45720" rIns="91440" bIns="45720" numCol="1" spcCol="0" rtlCol="0" fromWordArt="0" anchor="t" anchorCtr="0" forceAA="0" compatLnSpc="1">
+            <a:prstTxWarp prst="textNoShape">
               <a:avLst/>
-            </a:prstGeom>
-          </p:spPr>
-          <p:txBody>
-            <a:bodyPr vert="horz" lIns="91440" tIns="45720" rIns="91440" bIns="45720" rtlCol="0" anchor="ctr">
-              <a:noAutofit/>
-            </a:bodyPr>
-            <a:lstStyle>
-              <a:lvl1pPr algn="ctr" defTabSz="457200" rtl="0" eaLnBrk="1" latinLnBrk="0" hangingPunct="1">
-                <a:spcBef>
-                  <a:spcPct val="0"/>
-                </a:spcBef>
-                <a:buNone/>
-                <a:defRPr sz="4400" kern="1200">
-                  <a:solidFill>
-                    <a:schemeClr val="tx1"/>
-                  </a:solidFill>
-                  <a:latin typeface="+mj-lt"/>
-                  <a:ea typeface="+mj-ea"/>
-                  <a:cs typeface="+mj-cs"/>
-                </a:defRPr>
-              </a:lvl1pPr>
-            </a:lstStyle>
-            <a:p>
-              <a:pPr algn="l" defTabSz="288000"/>
-              <a:r>
-                <a:rPr lang="es-CO" sz="5400" b="1" dirty="0"/>
-                <a:t>Componente </a:t>
-              </a:r>
-            </a:p>
-          </p:txBody>
-        </p:sp>
-        <p:sp>
-          <p:nvSpPr>
-            <p:cNvPr id="7" name="Título 1"/>
-            <p:cNvSpPr txBox="1">
-              <a:spLocks/>
-            </p:cNvSpPr>
-            <p:nvPr/>
-          </p:nvSpPr>
-          <p:spPr>
-            <a:xfrm>
-              <a:off x="3702753" y="693407"/>
-              <a:ext cx="2008236" cy="1172754"/>
-            </a:xfrm>
-            <a:prstGeom prst="rect">
-              <a:avLst/>
-            </a:prstGeom>
-          </p:spPr>
-          <p:txBody>
-            <a:bodyPr vert="horz" lIns="91440" tIns="45720" rIns="91440" bIns="45720" rtlCol="0" anchor="ctr">
-              <a:noAutofit/>
-            </a:bodyPr>
-            <a:lstStyle>
-              <a:lvl1pPr algn="ctr" defTabSz="457200" rtl="0" eaLnBrk="1" latinLnBrk="0" hangingPunct="1">
-                <a:spcBef>
-                  <a:spcPct val="0"/>
-                </a:spcBef>
-                <a:buNone/>
-                <a:defRPr sz="4400" kern="1200">
-                  <a:solidFill>
-                    <a:schemeClr val="tx1"/>
-                  </a:solidFill>
-                  <a:latin typeface="+mj-lt"/>
-                  <a:ea typeface="+mj-ea"/>
-                  <a:cs typeface="+mj-cs"/>
-                </a:defRPr>
-              </a:lvl1pPr>
-            </a:lstStyle>
-            <a:p>
-              <a:pPr algn="l" defTabSz="288000"/>
-              <a:r>
-                <a:rPr lang="es-CO" b="1" dirty="0">
-                  <a:solidFill>
-                    <a:srgbClr val="069169"/>
-                  </a:solidFill>
-                </a:rPr>
-                <a:t>Técnico</a:t>
-              </a:r>
-            </a:p>
-          </p:txBody>
-        </p:sp>
-      </p:grpSp>
-    </p:spTree>
-    <p:extLst>
-      <p:ext uri="{BB962C8B-B14F-4D97-AF65-F5344CB8AC3E}">
-        <p14:creationId xmlns:p14="http://schemas.microsoft.com/office/powerpoint/2010/main" val="4249488246"/>
-      </p:ext>
-    </p:extLst>
-  </p:cSld>
-  <p:clrMapOvr>
-    <a:masterClrMapping/>
-  </p:clrMapOvr>
-</p:sld>
-</file>
-
-<file path=ppt/slides/slide7.xml><?xml version="1.0" encoding="utf-8"?>
-<p:sld xmlns:a="http://schemas.openxmlformats.org/drawingml/2006/main" xmlns:r="http://schemas.openxmlformats.org/officeDocument/2006/relationships" xmlns:p="http://schemas.openxmlformats.org/presentationml/2006/main">
-  <p:cSld>
-    <p:spTree>
-      <p:nvGrpSpPr>
-        <p:cNvPr id="1" name=""/>
-        <p:cNvGrpSpPr/>
-        <p:nvPr/>
-      </p:nvGrpSpPr>
-      <p:grpSpPr>
-        <a:xfrm>
-          <a:off x="0" y="0"/>
-          <a:ext cx="0" cy="0"/>
-          <a:chOff x="0" y="0"/>
-          <a:chExt cx="0" cy="0"/>
-        </a:xfrm>
-      </p:grpSpPr>
-      <p:sp>
-        <p:nvSpPr>
-          <p:cNvPr id="2" name="Rectángulo 1"/>
-          <p:cNvSpPr/>
-          <p:nvPr/>
-        </p:nvSpPr>
-        <p:spPr>
-          <a:xfrm>
-            <a:off x="364103" y="373257"/>
-            <a:ext cx="3191838" cy="461665"/>
-          </a:xfrm>
-          <a:prstGeom prst="rect">
-            <a:avLst/>
-          </a:prstGeom>
-        </p:spPr>
-        <p:txBody>
-          <a:bodyPr wrap="square">
+            </a:prstTxWarp>
             <a:spAutoFit/>
           </a:bodyPr>
           <a:lstStyle/>
           <a:p>
-            <a:pPr algn="ctr"/>
             <a:r>
-              <a:rPr lang="es-MX" sz="2400" dirty="0"/>
-              <a:t>Instructor </a:t>
+              <a:rPr lang="es-CO" sz="6000" dirty="0">
+                <a:cs typeface="Calibri"/>
+              </a:rPr>
+              <a:t>Encuestas aprendices (algunas graficas).</a:t>
             </a:r>
-            <a:r>
-              <a:rPr lang="es-MX" sz="2400" b="1" dirty="0">
-                <a:solidFill>
-                  <a:srgbClr val="E2ECFD"/>
-                </a:solidFill>
-              </a:rPr>
-              <a:t>Leonardo…</a:t>
-            </a:r>
-            <a:endParaRPr lang="es-CO" sz="2400" dirty="0">
-              <a:solidFill>
-                <a:srgbClr val="E2ECFD"/>
-              </a:solidFill>
-            </a:endParaRPr>
           </a:p>
         </p:txBody>
       </p:sp>
     </p:spTree>
     <p:extLst>
       <p:ext uri="{BB962C8B-B14F-4D97-AF65-F5344CB8AC3E}">
-        <p14:creationId xmlns:p14="http://schemas.microsoft.com/office/powerpoint/2010/main" val="1636081149"/>
+        <p14:creationId xmlns:p14="http://schemas.microsoft.com/office/powerpoint/2010/main" val="290872871"/>
       </p:ext>
     </p:extLst>
   </p:cSld>
